--- a/Poster/CRML_Poster_Sudoku.pptx
+++ b/Poster/CRML_Poster_Sudoku.pptx
@@ -5030,68 +5030,6 @@
       </p:sp>
       <p:sp>
         <p:nvSpPr>
-          <p:cNvPr id="119" name="Rectangle 4"/>
-          <p:cNvSpPr>
-            <a:spLocks noChangeArrowheads="1"/>
-          </p:cNvSpPr>
-          <p:nvPr/>
-        </p:nvSpPr>
-        <p:spPr bwMode="auto">
-          <a:xfrm>
-            <a:off x="20776406" y="34654862"/>
-            <a:ext cx="8478682" cy="779110"/>
-          </a:xfrm>
-          <a:prstGeom prst="rect">
-            <a:avLst/>
-          </a:prstGeom>
-          <a:noFill/>
-          <a:ln>
-            <a:noFill/>
-          </a:ln>
-          <a:extLst>
-            <a:ext uri="{909E8E84-426E-40DD-AFC4-6F175D3DCCD1}">
-              <a14:hiddenFill xmlns:a14="http://schemas.microsoft.com/office/drawing/2010/main">
-                <a:solidFill>
-                  <a:srgbClr val="FFFFFF"/>
-                </a:solidFill>
-              </a14:hiddenFill>
-            </a:ext>
-            <a:ext uri="{91240B29-F687-4F45-9708-019B960494DF}">
-              <a14:hiddenLine xmlns:a14="http://schemas.microsoft.com/office/drawing/2010/main" w="9525">
-                <a:solidFill>
-                  <a:srgbClr val="000000"/>
-                </a:solidFill>
-                <a:miter lim="800000"/>
-                <a:headEnd/>
-                <a:tailEnd/>
-              </a14:hiddenLine>
-            </a:ext>
-          </a:extLst>
-        </p:spPr>
-        <p:txBody>
-          <a:bodyPr/>
-          <a:lstStyle/>
-          <a:p>
-            <a:pPr algn="ctr" rtl="0">
-              <a:spcBef>
-                <a:spcPts val="1682"/>
-              </a:spcBef>
-            </a:pPr>
-            <a:r>
-              <a:rPr lang="en-US" sz="2200" b="0" dirty="0">
-                <a:solidFill>
-                  <a:schemeClr val="dk1"/>
-                </a:solidFill>
-                <a:latin typeface="Arial" panose="020B0604020202020204" pitchFamily="34" charset="0"/>
-                <a:cs typeface="Arial" panose="020B0604020202020204" pitchFamily="34" charset="0"/>
-              </a:rPr>
-              <a:t>Estimated distance vs. GPS measured distance </a:t>
-            </a:r>
-          </a:p>
-        </p:txBody>
-      </p:sp>
-      <p:sp>
-        <p:nvSpPr>
           <p:cNvPr id="122" name="Rectangle 2"/>
           <p:cNvSpPr>
             <a:spLocks noChangeArrowheads="1"/>
@@ -5374,96 +5312,13 @@
               <a:buFont typeface="Arial" pitchFamily="34" charset="0"/>
               <a:buChar char="•"/>
             </a:pPr>
-            <a:r>
-              <a:rPr lang="en-US" sz="2990" b="0" dirty="0">
-                <a:solidFill>
-                  <a:srgbClr val="000060"/>
-                </a:solidFill>
-                <a:latin typeface="Arial" panose="020B0604020202020204" pitchFamily="34" charset="0"/>
-                <a:cs typeface="Arial" panose="020B0604020202020204" pitchFamily="34" charset="0"/>
-              </a:rPr>
-              <a:t>Successful estimation of distance with suitable accuracy for navigation applications</a:t>
-            </a:r>
-          </a:p>
-          <a:p>
-            <a:pPr marL="961114" lvl="1" indent="-533952" algn="l" rtl="0">
-              <a:spcBef>
-                <a:spcPts val="1682"/>
-              </a:spcBef>
-              <a:buSzPct val="75000"/>
-              <a:buFont typeface="Wingdings" panose="05000000000000000000" pitchFamily="2" charset="2"/>
-              <a:buChar char="§"/>
-            </a:pPr>
-            <a:r>
-              <a:rPr lang="en-US" sz="2990" b="0" dirty="0">
-                <a:solidFill>
-                  <a:srgbClr val="000060"/>
-                </a:solidFill>
-                <a:latin typeface="Arial" panose="020B0604020202020204" pitchFamily="34" charset="0"/>
-                <a:cs typeface="Arial" panose="020B0604020202020204" pitchFamily="34" charset="0"/>
-              </a:rPr>
-              <a:t>Accurate horizon detection</a:t>
-            </a:r>
-          </a:p>
-          <a:p>
-            <a:pPr marL="961114" lvl="1" indent="-533952" algn="l" rtl="0">
-              <a:spcBef>
-                <a:spcPts val="1682"/>
-              </a:spcBef>
-              <a:buSzPct val="75000"/>
-              <a:buFont typeface="Wingdings" panose="05000000000000000000" pitchFamily="2" charset="2"/>
-              <a:buChar char="§"/>
-            </a:pPr>
-            <a:r>
-              <a:rPr lang="en-US" sz="2990" b="0" dirty="0">
-                <a:solidFill>
-                  <a:srgbClr val="000060"/>
-                </a:solidFill>
-                <a:latin typeface="Arial" panose="020B0604020202020204" pitchFamily="34" charset="0"/>
-                <a:cs typeface="Arial" panose="020B0604020202020204" pitchFamily="34" charset="0"/>
-              </a:rPr>
-              <a:t>Robust selection of nearest point of tracked vehicle</a:t>
-            </a:r>
-          </a:p>
-          <a:p>
-            <a:pPr marL="425679" indent="-425679" algn="l" rtl="0">
-              <a:spcBef>
-                <a:spcPts val="1682"/>
-              </a:spcBef>
-              <a:buSzPct val="125000"/>
-              <a:buFont typeface="Arial" pitchFamily="34" charset="0"/>
-              <a:buChar char="•"/>
-            </a:pPr>
-            <a:r>
-              <a:rPr lang="en-US" sz="2990" b="0" dirty="0">
-                <a:solidFill>
-                  <a:srgbClr val="000060"/>
-                </a:solidFill>
-                <a:latin typeface="Arial" panose="020B0604020202020204" pitchFamily="34" charset="0"/>
-                <a:cs typeface="Arial" panose="020B0604020202020204" pitchFamily="34" charset="0"/>
-              </a:rPr>
-              <a:t>Computationally efficient algorithm</a:t>
-            </a:r>
-          </a:p>
-          <a:p>
-            <a:pPr marL="961114" lvl="1" indent="-533952" algn="l" rtl="0">
-              <a:spcBef>
-                <a:spcPts val="1682"/>
-              </a:spcBef>
-              <a:buSzPct val="75000"/>
-              <a:buFont typeface="Wingdings" panose="05000000000000000000" pitchFamily="2" charset="2"/>
-              <a:buChar char="§"/>
-            </a:pPr>
-            <a:r>
-              <a:rPr lang="en-US" sz="2990" b="0" dirty="0">
-                <a:solidFill>
-                  <a:srgbClr val="000060"/>
-                </a:solidFill>
-                <a:latin typeface="Arial" panose="020B0604020202020204" pitchFamily="34" charset="0"/>
-                <a:cs typeface="Arial" panose="020B0604020202020204" pitchFamily="34" charset="0"/>
-              </a:rPr>
-              <a:t>Feasible to run in real-time on a USV</a:t>
-            </a:r>
+            <a:endParaRPr lang="en-US" sz="2990" b="0" dirty="0">
+              <a:solidFill>
+                <a:srgbClr val="000060"/>
+              </a:solidFill>
+              <a:latin typeface="Arial" panose="020B0604020202020204" pitchFamily="34" charset="0"/>
+              <a:cs typeface="Arial" panose="020B0604020202020204" pitchFamily="34" charset="0"/>
+            </a:endParaRPr>
           </a:p>
         </p:txBody>
       </p:sp>
@@ -6039,54 +5894,6 @@
           </a:p>
         </p:txBody>
       </p:sp>
-      <p:pic>
-        <p:nvPicPr>
-          <p:cNvPr id="16" name="Picture 15"/>
-          <p:cNvPicPr>
-            <a:picLocks noChangeAspect="1"/>
-          </p:cNvPicPr>
-          <p:nvPr/>
-        </p:nvPicPr>
-        <p:blipFill>
-          <a:blip r:embed="rId3"/>
-          <a:stretch>
-            <a:fillRect/>
-          </a:stretch>
-        </p:blipFill>
-        <p:spPr>
-          <a:xfrm>
-            <a:off x="20425307" y="31260606"/>
-            <a:ext cx="4556494" cy="3335166"/>
-          </a:xfrm>
-          <a:prstGeom prst="rect">
-            <a:avLst/>
-          </a:prstGeom>
-        </p:spPr>
-      </p:pic>
-      <p:pic>
-        <p:nvPicPr>
-          <p:cNvPr id="19" name="Picture 18"/>
-          <p:cNvPicPr>
-            <a:picLocks noChangeAspect="1"/>
-          </p:cNvPicPr>
-          <p:nvPr/>
-        </p:nvPicPr>
-        <p:blipFill>
-          <a:blip r:embed="rId4"/>
-          <a:stretch>
-            <a:fillRect/>
-          </a:stretch>
-        </p:blipFill>
-        <p:spPr>
-          <a:xfrm>
-            <a:off x="24984347" y="31253739"/>
-            <a:ext cx="4555059" cy="3334115"/>
-          </a:xfrm>
-          <a:prstGeom prst="rect">
-            <a:avLst/>
-          </a:prstGeom>
-        </p:spPr>
-      </p:pic>
       <p:sp>
         <p:nvSpPr>
           <p:cNvPr id="165" name="Rectangle 4"/>
@@ -6144,6 +5951,9 @@
                 <a:solidFill>
                   <a:srgbClr val="000060"/>
                 </a:solidFill>
+                <a:highlight>
+                  <a:srgbClr val="FFFF00"/>
+                </a:highlight>
                 <a:latin typeface="Arial" panose="020B0604020202020204" pitchFamily="34" charset="0"/>
                 <a:cs typeface="Arial" panose="020B0604020202020204" pitchFamily="34" charset="0"/>
               </a:rPr>
@@ -6164,6 +5974,9 @@
                 <a:solidFill>
                   <a:srgbClr val="000060"/>
                 </a:solidFill>
+                <a:highlight>
+                  <a:srgbClr val="FFFF00"/>
+                </a:highlight>
                 <a:latin typeface="Arial" panose="020B0604020202020204" pitchFamily="34" charset="0"/>
                 <a:cs typeface="Arial" panose="020B0604020202020204" pitchFamily="34" charset="0"/>
               </a:rPr>
@@ -6173,95 +5986,19 @@
               <a:solidFill>
                 <a:srgbClr val="000060"/>
               </a:solidFill>
+              <a:highlight>
+                <a:srgbClr val="FFFF00"/>
+              </a:highlight>
               <a:latin typeface="Arial" panose="020B0604020202020204" pitchFamily="34" charset="0"/>
               <a:cs typeface="Arial" panose="020B0604020202020204" pitchFamily="34" charset="0"/>
             </a:endParaRPr>
           </a:p>
           <a:p>
-            <a:pPr marL="425679" indent="-425679" algn="l" rtl="0">
+            <a:pPr algn="l" rtl="0">
               <a:spcBef>
                 <a:spcPts val="1682"/>
               </a:spcBef>
               <a:buSzPct val="125000"/>
-              <a:buFont typeface="Arial" pitchFamily="34" charset="0"/>
-              <a:buChar char="•"/>
-            </a:pPr>
-            <a:endParaRPr lang="en-US" sz="2990" b="0" dirty="0">
-              <a:solidFill>
-                <a:srgbClr val="000060"/>
-              </a:solidFill>
-              <a:latin typeface="Arial" panose="020B0604020202020204" pitchFamily="34" charset="0"/>
-              <a:cs typeface="Arial" panose="020B0604020202020204" pitchFamily="34" charset="0"/>
-            </a:endParaRPr>
-          </a:p>
-          <a:p>
-            <a:pPr marL="425679" indent="-425679" algn="l" rtl="0">
-              <a:spcBef>
-                <a:spcPts val="1682"/>
-              </a:spcBef>
-              <a:buSzPct val="125000"/>
-              <a:buFont typeface="Arial" pitchFamily="34" charset="0"/>
-              <a:buChar char="•"/>
-            </a:pPr>
-            <a:r>
-              <a:rPr lang="en-US" sz="2990" b="0" dirty="0">
-                <a:solidFill>
-                  <a:srgbClr val="000060"/>
-                </a:solidFill>
-                <a:latin typeface="Arial" panose="020B0604020202020204" pitchFamily="34" charset="0"/>
-                <a:cs typeface="Arial" panose="020B0604020202020204" pitchFamily="34" charset="0"/>
-              </a:rPr>
-              <a:t>An experiment with multiple marine vessels was conducted</a:t>
-            </a:r>
-          </a:p>
-          <a:p>
-            <a:pPr marL="425679" indent="-425679" algn="l" rtl="0">
-              <a:spcBef>
-                <a:spcPts val="1682"/>
-              </a:spcBef>
-              <a:buSzPct val="125000"/>
-              <a:buFont typeface="Arial" pitchFamily="34" charset="0"/>
-              <a:buChar char="•"/>
-            </a:pPr>
-            <a:r>
-              <a:rPr lang="en-US" sz="2990" b="0" dirty="0">
-                <a:solidFill>
-                  <a:srgbClr val="000060"/>
-                </a:solidFill>
-                <a:latin typeface="Arial" panose="020B0604020202020204" pitchFamily="34" charset="0"/>
-                <a:cs typeface="Arial" panose="020B0604020202020204" pitchFamily="34" charset="0"/>
-              </a:rPr>
-              <a:t>For comparison to ground truth, videos were synchronized with GPS coordinate measurements for each vessel</a:t>
-            </a:r>
-          </a:p>
-          <a:p>
-            <a:pPr marL="425679" indent="-425679" algn="l" rtl="0">
-              <a:spcBef>
-                <a:spcPts val="1682"/>
-              </a:spcBef>
-              <a:buSzPct val="125000"/>
-              <a:buFont typeface="Arial" pitchFamily="34" charset="0"/>
-              <a:buChar char="•"/>
-            </a:pPr>
-            <a:r>
-              <a:rPr lang="en-US" sz="2990" b="0" dirty="0">
-                <a:solidFill>
-                  <a:srgbClr val="000060"/>
-                </a:solidFill>
-                <a:latin typeface="Arial" panose="020B0604020202020204" pitchFamily="34" charset="0"/>
-                <a:cs typeface="Arial" panose="020B0604020202020204" pitchFamily="34" charset="0"/>
-              </a:rPr>
-              <a:t>Results show a mean absolute relative error of 7.1% with a standard deviation of 5.8% </a:t>
-            </a:r>
-          </a:p>
-          <a:p>
-            <a:pPr marL="425679" indent="-425679" algn="l" rtl="0">
-              <a:spcBef>
-                <a:spcPts val="1682"/>
-              </a:spcBef>
-              <a:buSzPct val="125000"/>
-              <a:buFont typeface="Arial" pitchFamily="34" charset="0"/>
-              <a:buChar char="•"/>
             </a:pPr>
             <a:endParaRPr lang="en-US" sz="2990" b="0" dirty="0">
               <a:solidFill>
@@ -6310,7 +6047,7 @@
           <p:nvPr/>
         </p:nvPicPr>
         <p:blipFill>
-          <a:blip r:embed="rId5" cstate="print">
+          <a:blip r:embed="rId3" cstate="print">
             <a:extLst>
               <a:ext uri="{28A0092B-C50C-407E-A947-70E740481C1C}">
                 <a14:useLocalDpi xmlns:a14="http://schemas.microsoft.com/office/drawing/2010/main" val="0"/>
@@ -6690,7 +6427,7 @@
           <p:nvPr/>
         </p:nvPicPr>
         <p:blipFill>
-          <a:blip r:embed="rId6" cstate="print">
+          <a:blip r:embed="rId4" cstate="print">
             <a:extLst>
               <a:ext uri="{28A0092B-C50C-407E-A947-70E740481C1C}">
                 <a14:useLocalDpi xmlns:a14="http://schemas.microsoft.com/office/drawing/2010/main" val="0"/>
@@ -6726,7 +6463,7 @@
           <p:nvPr/>
         </p:nvPicPr>
         <p:blipFill>
-          <a:blip r:embed="rId7">
+          <a:blip r:embed="rId5">
             <a:extLst>
               <a:ext uri="{28A0092B-C50C-407E-A947-70E740481C1C}">
                 <a14:useLocalDpi xmlns:a14="http://schemas.microsoft.com/office/drawing/2010/main" val="0"/>
@@ -6762,7 +6499,7 @@
           <p:nvPr/>
         </p:nvPicPr>
         <p:blipFill rotWithShape="1">
-          <a:blip r:embed="rId8"/>
+          <a:blip r:embed="rId6"/>
           <a:srcRect r="3221" b="2144"/>
           <a:stretch/>
         </p:blipFill>
@@ -6789,7 +6526,7 @@
           <p:nvPr/>
         </p:nvPicPr>
         <p:blipFill rotWithShape="1">
-          <a:blip r:embed="rId9"/>
+          <a:blip r:embed="rId7"/>
           <a:srcRect r="1561"/>
           <a:stretch/>
         </p:blipFill>
@@ -6803,8 +6540,8 @@
           </a:prstGeom>
         </p:spPr>
       </p:pic>
-      <mc:AlternateContent xmlns:mc="http://schemas.openxmlformats.org/markup-compatibility/2006">
-        <mc:Choice xmlns:a14="http://schemas.microsoft.com/office/drawing/2010/main" Requires="a14">
+      <mc:AlternateContent xmlns:mc="http://schemas.openxmlformats.org/markup-compatibility/2006" xmlns:a14="http://schemas.microsoft.com/office/drawing/2010/main">
+        <mc:Choice Requires="a14">
           <p:sp>
             <p:nvSpPr>
               <p:cNvPr id="14" name="Rectangle 4">
@@ -7105,7 +6842,7 @@
             </p:txBody>
           </p:sp>
         </mc:Choice>
-        <mc:Fallback>
+        <mc:Fallback xmlns="">
           <p:sp>
             <p:nvSpPr>
               <p:cNvPr id="14" name="Rectangle 4">
@@ -7601,7 +7338,7 @@
         </p:nvSpPr>
         <p:spPr>
           <a:xfrm>
-            <a:off x="20515893" y="10760686"/>
+            <a:off x="20515893" y="10836886"/>
             <a:ext cx="15175148" cy="830997"/>
           </a:xfrm>
           <a:prstGeom prst="rect">
@@ -7697,7 +7434,7 @@
         </p:nvSpPr>
         <p:spPr>
           <a:xfrm>
-            <a:off x="20754206" y="8714309"/>
+            <a:off x="20754206" y="8600281"/>
             <a:ext cx="9360000" cy="1128962"/>
           </a:xfrm>
           <a:prstGeom prst="roundRect">
@@ -7755,8 +7492,8 @@
         </p:nvSpPr>
         <p:spPr bwMode="auto">
           <a:xfrm>
-            <a:off x="21058988" y="8774266"/>
-            <a:ext cx="5567957" cy="1009048"/>
+            <a:off x="21058988" y="8660237"/>
+            <a:ext cx="7261218" cy="1075871"/>
           </a:xfrm>
           <a:prstGeom prst="rect">
             <a:avLst/>
@@ -7798,7 +7535,7 @@
                 <a:latin typeface="Arial" panose="020B0604020202020204" pitchFamily="34" charset="0"/>
                 <a:cs typeface="Arial" panose="020B0604020202020204" pitchFamily="34" charset="0"/>
               </a:rPr>
-              <a:t>Introduction</a:t>
+              <a:t>Analyzing The Net</a:t>
             </a:r>
           </a:p>
         </p:txBody>
@@ -7817,7 +7554,7 @@
         </p:nvSpPr>
         <p:spPr>
           <a:xfrm>
-            <a:off x="20754206" y="8714309"/>
+            <a:off x="20754206" y="8600281"/>
             <a:ext cx="9360000" cy="14369766"/>
           </a:xfrm>
           <a:prstGeom prst="roundRect">

--- a/Poster/CRML_Poster_Sudoku.pptx
+++ b/Poster/CRML_Poster_Sudoku.pptx
@@ -4254,12 +4254,12 @@
         </p:nvSpPr>
         <p:spPr>
           <a:xfrm>
-            <a:off x="20593949" y="35917091"/>
-            <a:ext cx="9052049" cy="1128962"/>
+            <a:off x="20555152" y="34143526"/>
+            <a:ext cx="8984254" cy="1159621"/>
           </a:xfrm>
           <a:prstGeom prst="roundRect">
             <a:avLst>
-              <a:gd name="adj" fmla="val 3718"/>
+              <a:gd name="adj" fmla="val 23516"/>
             </a:avLst>
           </a:prstGeom>
           <a:solidFill>
@@ -4956,36 +4956,10 @@
                 <a:solidFill>
                   <a:srgbClr val="000060"/>
                 </a:solidFill>
-                <a:highlight>
-                  <a:srgbClr val="FFFF00"/>
-                </a:highlight>
                 <a:latin typeface="Arial" panose="020B0604020202020204" pitchFamily="34" charset="0"/>
                 <a:cs typeface="Arial" panose="020B0604020202020204" pitchFamily="34" charset="0"/>
               </a:rPr>
-              <a:t>Improving solutions from the literature</a:t>
-            </a:r>
-          </a:p>
-          <a:p>
-            <a:pPr marL="425679" indent="-425679" algn="l" rtl="0">
-              <a:spcBef>
-                <a:spcPts val="1682"/>
-              </a:spcBef>
-              <a:buSzPct val="125000"/>
-              <a:buFont typeface="Arial" pitchFamily="34" charset="0"/>
-              <a:buChar char="•"/>
-            </a:pPr>
-            <a:r>
-              <a:rPr lang="en-US" sz="2990" b="0" dirty="0">
-                <a:solidFill>
-                  <a:srgbClr val="000060"/>
-                </a:solidFill>
-                <a:highlight>
-                  <a:srgbClr val="FFFF00"/>
-                </a:highlight>
-                <a:latin typeface="Arial" panose="020B0604020202020204" pitchFamily="34" charset="0"/>
-                <a:cs typeface="Arial" panose="020B0604020202020204" pitchFamily="34" charset="0"/>
-              </a:rPr>
-              <a:t>??? Use an iterative solution???</a:t>
+              <a:t>Implementing Curriculum learning method</a:t>
             </a:r>
           </a:p>
           <a:p>
@@ -5004,7 +4978,7 @@
                 <a:latin typeface="Arial" panose="020B0604020202020204" pitchFamily="34" charset="0"/>
                 <a:cs typeface="Arial" panose="020B0604020202020204" pitchFamily="34" charset="0"/>
               </a:rPr>
-              <a:t>Comparing the different Deep Learning methods we used</a:t>
+              <a:t>Finding the best training method to fit the problem</a:t>
             </a:r>
           </a:p>
           <a:p>
@@ -5023,8 +4997,24 @@
                 <a:latin typeface="Arial" panose="020B0604020202020204" pitchFamily="34" charset="0"/>
                 <a:cs typeface="Arial" panose="020B0604020202020204" pitchFamily="34" charset="0"/>
               </a:rPr>
-              <a:t>Comparing the Deep Learning solution to the Backtracking solution</a:t>
-            </a:r>
+              <a:t>Overcome brute-force solution running time</a:t>
+            </a:r>
+          </a:p>
+          <a:p>
+            <a:pPr marL="425679" indent="-425679" algn="l" rtl="0">
+              <a:spcBef>
+                <a:spcPts val="1682"/>
+              </a:spcBef>
+              <a:buFont typeface="Arial" pitchFamily="34" charset="0"/>
+              <a:buChar char="•"/>
+            </a:pPr>
+            <a:endParaRPr lang="en-US" sz="2990" b="0" dirty="0">
+              <a:solidFill>
+                <a:srgbClr val="000060"/>
+              </a:solidFill>
+              <a:latin typeface="Arial" panose="020B0604020202020204" pitchFamily="34" charset="0"/>
+              <a:cs typeface="Arial" panose="020B0604020202020204" pitchFamily="34" charset="0"/>
+            </a:endParaRPr>
           </a:p>
         </p:txBody>
       </p:sp>
@@ -5154,7 +5144,7 @@
         </p:nvSpPr>
         <p:spPr bwMode="auto">
           <a:xfrm>
-            <a:off x="20790206" y="25792648"/>
+            <a:off x="21120941" y="25837083"/>
             <a:ext cx="8254272" cy="1009048"/>
           </a:xfrm>
           <a:prstGeom prst="rect">
@@ -5212,8 +5202,8 @@
         </p:nvSpPr>
         <p:spPr bwMode="auto">
           <a:xfrm>
-            <a:off x="20849518" y="35999013"/>
-            <a:ext cx="8475042" cy="1009048"/>
+            <a:off x="20810720" y="34249145"/>
+            <a:ext cx="8411568" cy="1054002"/>
           </a:xfrm>
           <a:prstGeom prst="rect">
             <a:avLst/>
@@ -5270,8 +5260,8 @@
         </p:nvSpPr>
         <p:spPr bwMode="auto">
           <a:xfrm>
-            <a:off x="20556000" y="37186572"/>
-            <a:ext cx="8641154" cy="4398622"/>
+            <a:off x="20471606" y="35767952"/>
+            <a:ext cx="8768560" cy="5064929"/>
           </a:xfrm>
           <a:prstGeom prst="rect">
             <a:avLst/>
@@ -5303,6 +5293,151 @@
         <p:txBody>
           <a:bodyPr rIns="0"/>
           <a:lstStyle/>
+          <a:p>
+            <a:pPr marL="899084" lvl="1" indent="-457200" algn="l" rtl="0">
+              <a:buFont typeface="Arial" panose="020B0604020202020204" pitchFamily="34" charset="0"/>
+              <a:buChar char="•"/>
+            </a:pPr>
+            <a:r>
+              <a:rPr lang="en-US" sz="2990" b="0" dirty="0">
+                <a:solidFill>
+                  <a:srgbClr val="000060"/>
+                </a:solidFill>
+                <a:latin typeface="Arial" panose="020B0604020202020204" pitchFamily="34" charset="0"/>
+                <a:cs typeface="Arial" panose="020B0604020202020204" pitchFamily="34" charset="0"/>
+              </a:rPr>
+              <a:t>Neural nets are possible to “learn” the Sudoku rules and play it successfully</a:t>
+            </a:r>
+          </a:p>
+          <a:p>
+            <a:pPr marL="1340968" lvl="2" indent="-457200" algn="l" rtl="0">
+              <a:buFont typeface="Arial" panose="020B0604020202020204" pitchFamily="34" charset="0"/>
+              <a:buChar char="•"/>
+            </a:pPr>
+            <a:r>
+              <a:rPr lang="en-US" sz="2990" b="0" dirty="0">
+                <a:solidFill>
+                  <a:srgbClr val="000060"/>
+                </a:solidFill>
+                <a:latin typeface="Arial" panose="020B0604020202020204" pitchFamily="34" charset="0"/>
+                <a:cs typeface="Arial" panose="020B0604020202020204" pitchFamily="34" charset="0"/>
+              </a:rPr>
+              <a:t>Faster toward solution</a:t>
+            </a:r>
+          </a:p>
+          <a:p>
+            <a:pPr marL="1340968" lvl="2" indent="-457200" algn="l" rtl="0">
+              <a:buFont typeface="Arial" panose="020B0604020202020204" pitchFamily="34" charset="0"/>
+              <a:buChar char="•"/>
+            </a:pPr>
+            <a:r>
+              <a:rPr lang="en-US" sz="2990" b="0" dirty="0">
+                <a:solidFill>
+                  <a:srgbClr val="000060"/>
+                </a:solidFill>
+                <a:latin typeface="Arial" panose="020B0604020202020204" pitchFamily="34" charset="0"/>
+                <a:cs typeface="Arial" panose="020B0604020202020204" pitchFamily="34" charset="0"/>
+              </a:rPr>
+              <a:t>Stable running time</a:t>
+            </a:r>
+          </a:p>
+          <a:p>
+            <a:pPr marL="899084" lvl="1" indent="-457200" algn="l" rtl="0">
+              <a:buFont typeface="Arial" panose="020B0604020202020204" pitchFamily="34" charset="0"/>
+              <a:buChar char="•"/>
+            </a:pPr>
+            <a:r>
+              <a:rPr lang="en-US" sz="2990" b="0" dirty="0">
+                <a:solidFill>
+                  <a:srgbClr val="000060"/>
+                </a:solidFill>
+                <a:latin typeface="Arial" panose="020B0604020202020204" pitchFamily="34" charset="0"/>
+                <a:cs typeface="Arial" panose="020B0604020202020204" pitchFamily="34" charset="0"/>
+              </a:rPr>
+              <a:t>Curriculum learning may perform better on suitable problems like Sudoku</a:t>
+            </a:r>
+          </a:p>
+          <a:p>
+            <a:pPr marL="1340968" lvl="2" indent="-457200" algn="l" rtl="0">
+              <a:buFont typeface="Arial" panose="020B0604020202020204" pitchFamily="34" charset="0"/>
+              <a:buChar char="•"/>
+            </a:pPr>
+            <a:r>
+              <a:rPr lang="en-US" sz="2990" b="0" dirty="0">
+                <a:solidFill>
+                  <a:srgbClr val="000060"/>
+                </a:solidFill>
+                <a:latin typeface="Arial" panose="020B0604020202020204" pitchFamily="34" charset="0"/>
+                <a:cs typeface="Arial" panose="020B0604020202020204" pitchFamily="34" charset="0"/>
+              </a:rPr>
+              <a:t>The network “remembers” how to solve easy puzzles.</a:t>
+            </a:r>
+          </a:p>
+          <a:p>
+            <a:pPr marL="899084" lvl="1" indent="-457200" algn="l" rtl="0">
+              <a:buFont typeface="Arial" panose="020B0604020202020204" pitchFamily="34" charset="0"/>
+              <a:buChar char="•"/>
+            </a:pPr>
+            <a:r>
+              <a:rPr lang="en-US" sz="2990" b="0" dirty="0">
+                <a:solidFill>
+                  <a:srgbClr val="000060"/>
+                </a:solidFill>
+                <a:latin typeface="Arial" panose="020B0604020202020204" pitchFamily="34" charset="0"/>
+                <a:cs typeface="Arial" panose="020B0604020202020204" pitchFamily="34" charset="0"/>
+              </a:rPr>
+              <a:t>Iterative solution may perform better </a:t>
+            </a:r>
+          </a:p>
+          <a:p>
+            <a:pPr marL="1340968" lvl="2" indent="-457200" algn="l" rtl="0">
+              <a:buFont typeface="Arial" panose="020B0604020202020204" pitchFamily="34" charset="0"/>
+              <a:buChar char="•"/>
+            </a:pPr>
+            <a:r>
+              <a:rPr lang="en-US" sz="2990" b="0" dirty="0">
+                <a:solidFill>
+                  <a:srgbClr val="000060"/>
+                </a:solidFill>
+                <a:latin typeface="Arial" panose="020B0604020202020204" pitchFamily="34" charset="0"/>
+                <a:cs typeface="Arial" panose="020B0604020202020204" pitchFamily="34" charset="0"/>
+              </a:rPr>
+              <a:t>Fill elements one by one</a:t>
+            </a:r>
+          </a:p>
+          <a:p>
+            <a:pPr marL="899084" lvl="1" indent="-457200" algn="l" rtl="0">
+              <a:buFont typeface="Arial" panose="020B0604020202020204" pitchFamily="34" charset="0"/>
+              <a:buChar char="•"/>
+            </a:pPr>
+            <a:r>
+              <a:rPr lang="en-US" sz="2990" b="0" dirty="0">
+                <a:solidFill>
+                  <a:srgbClr val="000060"/>
+                </a:solidFill>
+                <a:latin typeface="Arial" panose="020B0604020202020204" pitchFamily="34" charset="0"/>
+                <a:cs typeface="Arial" panose="020B0604020202020204" pitchFamily="34" charset="0"/>
+              </a:rPr>
+              <a:t>The best deletion method in training for this problem is: Proper distributed deletion.</a:t>
+            </a:r>
+          </a:p>
+          <a:p>
+            <a:pPr marL="425679" indent="-425679" algn="l" rtl="0">
+              <a:spcBef>
+                <a:spcPts val="1682"/>
+              </a:spcBef>
+              <a:buSzPct val="125000"/>
+              <a:buFont typeface="Arial" pitchFamily="34" charset="0"/>
+              <a:buChar char="•"/>
+            </a:pPr>
+            <a:endParaRPr lang="en-US" sz="2990" b="0" dirty="0">
+              <a:solidFill>
+                <a:srgbClr val="000060"/>
+              </a:solidFill>
+              <a:latin typeface="Arial" panose="020B0604020202020204" pitchFamily="34" charset="0"/>
+              <a:cs typeface="Arial" panose="020B0604020202020204" pitchFamily="34" charset="0"/>
+            </a:endParaRPr>
+          </a:p>
           <a:p>
             <a:pPr marL="425679" indent="-425679" algn="l" rtl="0">
               <a:spcBef>
@@ -5722,7 +5857,7 @@
                 <a:latin typeface="Arial" panose="020B0604020202020204" pitchFamily="34" charset="0"/>
                 <a:cs typeface="Arial" panose="020B0604020202020204" pitchFamily="34" charset="0"/>
               </a:rPr>
-              <a:t>Online: a partial Sudoku puzzles is the input of the trained architecture and the output is the suggested solution of the network.</a:t>
+              <a:t>Online: a partial Sudoku puzzles is the input of the trained architecture and the output is the suggested solution of the puzzle.</a:t>
             </a:r>
           </a:p>
         </p:txBody>
@@ -6324,8 +6459,8 @@
         </p:nvSpPr>
         <p:spPr>
           <a:xfrm>
-            <a:off x="20592000" y="35917091"/>
-            <a:ext cx="8947405" cy="5866410"/>
+            <a:off x="20592000" y="34118268"/>
+            <a:ext cx="8947405" cy="7665233"/>
           </a:xfrm>
           <a:prstGeom prst="roundRect">
             <a:avLst>
@@ -6373,7 +6508,7 @@
         <p:spPr>
           <a:xfrm>
             <a:off x="20790206" y="25732691"/>
-            <a:ext cx="8818148" cy="9716400"/>
+            <a:ext cx="8818148" cy="6966958"/>
           </a:xfrm>
           <a:prstGeom prst="roundRect">
             <a:avLst>
@@ -6507,33 +6642,6 @@
           <a:xfrm>
             <a:off x="778347" y="14936047"/>
             <a:ext cx="8990519" cy="3867137"/>
-          </a:xfrm>
-          <a:prstGeom prst="rect">
-            <a:avLst/>
-          </a:prstGeom>
-        </p:spPr>
-      </p:pic>
-      <p:pic>
-        <p:nvPicPr>
-          <p:cNvPr id="12" name="תמונה 11">
-            <a:extLst>
-              <a:ext uri="{FF2B5EF4-FFF2-40B4-BE49-F238E27FC236}">
-                <a16:creationId xmlns:a16="http://schemas.microsoft.com/office/drawing/2014/main" id="{A160E90E-04E9-4155-9F1D-C5E97A16148C}"/>
-              </a:ext>
-            </a:extLst>
-          </p:cNvPr>
-          <p:cNvPicPr/>
-          <p:nvPr/>
-        </p:nvPicPr>
-        <p:blipFill rotWithShape="1">
-          <a:blip r:embed="rId7"/>
-          <a:srcRect r="1561"/>
-          <a:stretch/>
-        </p:blipFill>
-        <p:spPr>
-          <a:xfrm>
-            <a:off x="10575236" y="13228574"/>
-            <a:ext cx="9709979" cy="6000499"/>
           </a:xfrm>
           <a:prstGeom prst="rect">
             <a:avLst/>
@@ -7662,6 +7770,36 @@
           </a:p>
         </p:txBody>
       </p:sp>
+      <p:pic>
+        <p:nvPicPr>
+          <p:cNvPr id="3" name="תמונה 2">
+            <a:extLst>
+              <a:ext uri="{FF2B5EF4-FFF2-40B4-BE49-F238E27FC236}">
+                <a16:creationId xmlns:a16="http://schemas.microsoft.com/office/drawing/2014/main" id="{F19042B2-5D13-41EC-A819-FE3B80DDA2EF}"/>
+              </a:ext>
+            </a:extLst>
+          </p:cNvPr>
+          <p:cNvPicPr>
+            <a:picLocks noChangeAspect="1"/>
+          </p:cNvPicPr>
+          <p:nvPr/>
+        </p:nvPicPr>
+        <p:blipFill>
+          <a:blip r:embed="rId12"/>
+          <a:stretch>
+            <a:fillRect/>
+          </a:stretch>
+        </p:blipFill>
+        <p:spPr>
+          <a:xfrm>
+            <a:off x="10421214" y="13331794"/>
+            <a:ext cx="9796380" cy="6088885"/>
+          </a:xfrm>
+          <a:prstGeom prst="rect">
+            <a:avLst/>
+          </a:prstGeom>
+        </p:spPr>
+      </p:pic>
     </p:spTree>
   </p:cSld>
   <p:clrMapOvr>

--- a/Poster/CRML_Poster_Sudoku.pptx
+++ b/Poster/CRML_Poster_Sudoku.pptx
@@ -4254,8 +4254,8 @@
         </p:nvSpPr>
         <p:spPr>
           <a:xfrm>
-            <a:off x="20555152" y="34143526"/>
-            <a:ext cx="8984254" cy="1159621"/>
+            <a:off x="20869248" y="34143526"/>
+            <a:ext cx="8818149" cy="1159621"/>
           </a:xfrm>
           <a:prstGeom prst="roundRect">
             <a:avLst>
@@ -4304,8 +4304,8 @@
         </p:nvSpPr>
         <p:spPr>
           <a:xfrm>
-            <a:off x="20790206" y="25732691"/>
-            <a:ext cx="9054000" cy="1128962"/>
+            <a:off x="20869248" y="27624652"/>
+            <a:ext cx="8693852" cy="1076329"/>
           </a:xfrm>
           <a:prstGeom prst="roundRect">
             <a:avLst>
@@ -5144,7 +5144,7 @@
         </p:nvSpPr>
         <p:spPr bwMode="auto">
           <a:xfrm>
-            <a:off x="21120941" y="25837083"/>
+            <a:off x="21120941" y="27678472"/>
             <a:ext cx="8254272" cy="1009048"/>
           </a:xfrm>
           <a:prstGeom prst="rect">
@@ -5202,7 +5202,7 @@
         </p:nvSpPr>
         <p:spPr bwMode="auto">
           <a:xfrm>
-            <a:off x="20810720" y="34249145"/>
+            <a:off x="21087968" y="34249145"/>
             <a:ext cx="8411568" cy="1054002"/>
           </a:xfrm>
           <a:prstGeom prst="rect">
@@ -5260,7 +5260,7 @@
         </p:nvSpPr>
         <p:spPr bwMode="auto">
           <a:xfrm>
-            <a:off x="20471606" y="35767952"/>
+            <a:off x="20748854" y="35767952"/>
             <a:ext cx="8768560" cy="5064929"/>
           </a:xfrm>
           <a:prstGeom prst="rect">
@@ -5306,7 +5306,7 @@
                 <a:latin typeface="Arial" panose="020B0604020202020204" pitchFamily="34" charset="0"/>
                 <a:cs typeface="Arial" panose="020B0604020202020204" pitchFamily="34" charset="0"/>
               </a:rPr>
-              <a:t>Neural nets are possible to “learn” the Sudoku rules and play it successfully</a:t>
+              <a:t>Neural nets are capable to “learn” the Sudoku rules and play successfully</a:t>
             </a:r>
           </a:p>
           <a:p>
@@ -5322,7 +5322,7 @@
                 <a:latin typeface="Arial" panose="020B0604020202020204" pitchFamily="34" charset="0"/>
                 <a:cs typeface="Arial" panose="020B0604020202020204" pitchFamily="34" charset="0"/>
               </a:rPr>
-              <a:t>Faster toward solution</a:t>
+              <a:t>Faster than brute-force solution</a:t>
             </a:r>
           </a:p>
           <a:p>
@@ -5418,7 +5418,7 @@
                 <a:latin typeface="Arial" panose="020B0604020202020204" pitchFamily="34" charset="0"/>
                 <a:cs typeface="Arial" panose="020B0604020202020204" pitchFamily="34" charset="0"/>
               </a:rPr>
-              <a:t>The best deletion method in training for this problem is: Proper distributed deletion.</a:t>
+              <a:t>The best deletion method in training for this problem is: proper distributed deletion.</a:t>
             </a:r>
           </a:p>
           <a:p>
@@ -5591,7 +5591,7 @@
                 <a:latin typeface="Arial" panose="020B0604020202020204" pitchFamily="34" charset="0"/>
                 <a:cs typeface="Arial" panose="020B0604020202020204" pitchFamily="34" charset="0"/>
               </a:rPr>
-              <a:t>Solving Sudoku Using Machine Learning And AI Tools</a:t>
+              <a:t>Solving Sudoku Using Machine Learning and AI Tools</a:t>
             </a:r>
           </a:p>
         </p:txBody>
@@ -5649,14 +5649,54 @@
               </a:spcBef>
             </a:pPr>
             <a:r>
-              <a:rPr lang="en-US" sz="6000" dirty="0">
+              <a:rPr lang="en-US" sz="5400" dirty="0">
                 <a:solidFill>
                   <a:srgbClr val="124872"/>
                 </a:solidFill>
                 <a:latin typeface="Arial" panose="020B0604020202020204" pitchFamily="34" charset="0"/>
                 <a:cs typeface="Arial" panose="020B0604020202020204" pitchFamily="34" charset="0"/>
               </a:rPr>
-              <a:t>Chen Dudai and Barak Mamistvalov, Supervised by Ron Dorfman and Tom Jurgenson</a:t>
+              <a:t>Chen Dudai and Barak </a:t>
+            </a:r>
+            <a:r>
+              <a:rPr lang="en-US" sz="5400" dirty="0" err="1">
+                <a:solidFill>
+                  <a:srgbClr val="124872"/>
+                </a:solidFill>
+                <a:latin typeface="Arial" panose="020B0604020202020204" pitchFamily="34" charset="0"/>
+                <a:cs typeface="Arial" panose="020B0604020202020204" pitchFamily="34" charset="0"/>
+              </a:rPr>
+              <a:t>Mamistvalov</a:t>
+            </a:r>
+            <a:r>
+              <a:rPr lang="en-US" sz="5400" dirty="0">
+                <a:solidFill>
+                  <a:srgbClr val="124872"/>
+                </a:solidFill>
+                <a:latin typeface="Arial" panose="020B0604020202020204" pitchFamily="34" charset="0"/>
+                <a:cs typeface="Arial" panose="020B0604020202020204" pitchFamily="34" charset="0"/>
+              </a:rPr>
+              <a:t> </a:t>
+            </a:r>
+          </a:p>
+          <a:p>
+            <a:pPr algn="ctr" rtl="0">
+              <a:lnSpc>
+                <a:spcPct val="80000"/>
+              </a:lnSpc>
+              <a:spcBef>
+                <a:spcPct val="20000"/>
+              </a:spcBef>
+            </a:pPr>
+            <a:r>
+              <a:rPr lang="en-US" sz="5400" dirty="0">
+                <a:solidFill>
+                  <a:srgbClr val="124872"/>
+                </a:solidFill>
+                <a:latin typeface="Arial" panose="020B0604020202020204" pitchFamily="34" charset="0"/>
+                <a:cs typeface="Arial" panose="020B0604020202020204" pitchFamily="34" charset="0"/>
+              </a:rPr>
+              <a:t>Supervised by Ron Dorfman and Tom Jurgenson</a:t>
             </a:r>
           </a:p>
         </p:txBody>
@@ -5857,7 +5897,7 @@
                 <a:latin typeface="Arial" panose="020B0604020202020204" pitchFamily="34" charset="0"/>
                 <a:cs typeface="Arial" panose="020B0604020202020204" pitchFamily="34" charset="0"/>
               </a:rPr>
-              <a:t>Online: a partial Sudoku puzzles is the input of the trained architecture and the output is the suggested solution of the puzzle.</a:t>
+              <a:t>Online: partial Sudoku puzzles is the input of the trained architecture and the output is the suggested solution of the puzzle.</a:t>
             </a:r>
           </a:p>
         </p:txBody>
@@ -5922,7 +5962,7 @@
                 <a:latin typeface="Arial" panose="020B0604020202020204" pitchFamily="34" charset="0"/>
                 <a:cs typeface="Arial" panose="020B0604020202020204" pitchFamily="34" charset="0"/>
               </a:rPr>
-              <a:t>The common automatically solution for Sudoku is using backtracking meaning:</a:t>
+              <a:t>The common automatic solution for Sudoku is by using backtracking:</a:t>
             </a:r>
           </a:p>
           <a:p>
@@ -5942,7 +5982,7 @@
                 <a:latin typeface="Arial" panose="020B0604020202020204" pitchFamily="34" charset="0"/>
                 <a:cs typeface="Arial" panose="020B0604020202020204" pitchFamily="34" charset="0"/>
               </a:rPr>
-              <a:t> recursive algorithm that attempts testing all possible paths towards a solution until a solution is found.</a:t>
+              <a:t> recursive algorithm that attempts to test all possible paths towards a solution, until one is found.</a:t>
             </a:r>
           </a:p>
           <a:p>
@@ -5962,7 +6002,7 @@
                 <a:latin typeface="Arial" panose="020B0604020202020204" pitchFamily="34" charset="0"/>
                 <a:cs typeface="Arial" panose="020B0604020202020204" pitchFamily="34" charset="0"/>
               </a:rPr>
-              <a:t>If the candidate for the solution cannot possibly be completed to a valid solution, the algorithm abandons the candidate ("backtracks").</a:t>
+              <a:t>If the candidate for the solution cannot become a valid solution, the algorithm abandons the candidate ("backtracks").</a:t>
             </a:r>
           </a:p>
         </p:txBody>
@@ -6081,43 +6121,7 @@
               <a:buFont typeface="Arial" pitchFamily="34" charset="0"/>
               <a:buChar char="•"/>
             </a:pPr>
-            <a:r>
-              <a:rPr lang="en-US" sz="3200" b="0" dirty="0">
-                <a:solidFill>
-                  <a:srgbClr val="000060"/>
-                </a:solidFill>
-                <a:highlight>
-                  <a:srgbClr val="FFFF00"/>
-                </a:highlight>
-                <a:latin typeface="Arial" panose="020B0604020202020204" pitchFamily="34" charset="0"/>
-                <a:cs typeface="Arial" panose="020B0604020202020204" pitchFamily="34" charset="0"/>
-              </a:rPr>
-              <a:t>The best results is with 3 layers of FC...</a:t>
-            </a:r>
-          </a:p>
-          <a:p>
-            <a:pPr marL="425679" indent="-425679" algn="l" rtl="0">
-              <a:spcBef>
-                <a:spcPts val="1682"/>
-              </a:spcBef>
-              <a:buSzPct val="125000"/>
-              <a:buFont typeface="Arial" pitchFamily="34" charset="0"/>
-              <a:buChar char="•"/>
-            </a:pPr>
-            <a:r>
-              <a:rPr lang="he-IL" sz="2990" b="0" dirty="0">
-                <a:solidFill>
-                  <a:srgbClr val="000060"/>
-                </a:solidFill>
-                <a:highlight>
-                  <a:srgbClr val="FFFF00"/>
-                </a:highlight>
-                <a:latin typeface="Arial" panose="020B0604020202020204" pitchFamily="34" charset="0"/>
-                <a:cs typeface="Arial" panose="020B0604020202020204" pitchFamily="34" charset="0"/>
-              </a:rPr>
-              <a:t>לשים טבלה</a:t>
-            </a:r>
-            <a:endParaRPr lang="en-US" sz="2990" b="0" dirty="0">
+            <a:endParaRPr lang="en-US" sz="3200" b="0" dirty="0">
               <a:solidFill>
                 <a:srgbClr val="000060"/>
               </a:solidFill>
@@ -6459,8 +6463,8 @@
         </p:nvSpPr>
         <p:spPr>
           <a:xfrm>
-            <a:off x="20592000" y="34118268"/>
-            <a:ext cx="8947405" cy="7665233"/>
+            <a:off x="20869249" y="34118268"/>
+            <a:ext cx="8818148" cy="7665233"/>
           </a:xfrm>
           <a:prstGeom prst="roundRect">
             <a:avLst>
@@ -6507,8 +6511,8 @@
         </p:nvSpPr>
         <p:spPr>
           <a:xfrm>
-            <a:off x="20790206" y="25732691"/>
-            <a:ext cx="8818148" cy="6966958"/>
+            <a:off x="20869248" y="27574081"/>
+            <a:ext cx="8739106" cy="6213404"/>
           </a:xfrm>
           <a:prstGeom prst="roundRect">
             <a:avLst>
@@ -6648,8 +6652,8 @@
           </a:prstGeom>
         </p:spPr>
       </p:pic>
-      <mc:AlternateContent xmlns:mc="http://schemas.openxmlformats.org/markup-compatibility/2006" xmlns:a14="http://schemas.microsoft.com/office/drawing/2010/main">
-        <mc:Choice Requires="a14">
+      <mc:AlternateContent xmlns:mc="http://schemas.openxmlformats.org/markup-compatibility/2006">
+        <mc:Choice xmlns:a14="http://schemas.microsoft.com/office/drawing/2010/main" Requires="a14">
           <p:sp>
             <p:nvSpPr>
               <p:cNvPr id="14" name="Rectangle 4">
@@ -6716,7 +6720,7 @@
                     <a:latin typeface="Arial" panose="020B0604020202020204" pitchFamily="34" charset="0"/>
                     <a:cs typeface="Arial" panose="020B0604020202020204" pitchFamily="34" charset="0"/>
                   </a:rPr>
-                  <a:t>Converting the puzzle to one-hot vector with.</a:t>
+                  <a:t>Converting the puzzle to one-hot vector.</a:t>
                 </a:r>
               </a:p>
               <a:p>
@@ -6736,7 +6740,7 @@
                     <a:latin typeface="Arial" panose="020B0604020202020204" pitchFamily="34" charset="0"/>
                     <a:cs typeface="Arial" panose="020B0604020202020204" pitchFamily="34" charset="0"/>
                   </a:rPr>
-                  <a:t>The solving method In test time:</a:t>
+                  <a:t>The solving method in test time:</a:t>
                 </a:r>
               </a:p>
               <a:p>
@@ -6756,7 +6760,7 @@
                     <a:latin typeface="Arial" panose="020B0604020202020204" pitchFamily="34" charset="0"/>
                     <a:cs typeface="Arial" panose="020B0604020202020204" pitchFamily="34" charset="0"/>
                   </a:rPr>
-                  <a:t>Fill the puzzle digit by digit and not the entire puzzle at once (like human do).</a:t>
+                  <a:t>Fill the puzzle digit by digit and not the entire puzzle at once (like humans do).</a:t>
                 </a:r>
               </a:p>
               <a:p>
@@ -6776,7 +6780,7 @@
                     <a:latin typeface="Arial" panose="020B0604020202020204" pitchFamily="34" charset="0"/>
                     <a:cs typeface="Arial" panose="020B0604020202020204" pitchFamily="34" charset="0"/>
                   </a:rPr>
-                  <a:t>Each iteration the chosen digit to fill is the one with best confidence.</a:t>
+                  <a:t>During each iteration, the chosen digit will be the one with the best confidence.</a:t>
                 </a:r>
               </a:p>
               <a:p>
@@ -6797,26 +6801,6 @@
                     <a:cs typeface="Arial" panose="020B0604020202020204" pitchFamily="34" charset="0"/>
                   </a:rPr>
                   <a:t>Calculates updated confidence for each cell.</a:t>
-                </a:r>
-              </a:p>
-              <a:p>
-                <a:pPr marL="867563" lvl="1" indent="-425679" algn="l" rtl="0">
-                  <a:spcBef>
-                    <a:spcPts val="1682"/>
-                  </a:spcBef>
-                  <a:buSzPct val="125000"/>
-                  <a:buFont typeface="Arial" pitchFamily="34" charset="0"/>
-                  <a:buChar char="•"/>
-                </a:pPr>
-                <a:r>
-                  <a:rPr lang="en-US" sz="2990" b="0" dirty="0">
-                    <a:solidFill>
-                      <a:srgbClr val="000060"/>
-                    </a:solidFill>
-                    <a:latin typeface="Arial" panose="020B0604020202020204" pitchFamily="34" charset="0"/>
-                    <a:cs typeface="Arial" panose="020B0604020202020204" pitchFamily="34" charset="0"/>
-                  </a:rPr>
-                  <a:t>Plug the new puzzle each iteration to the net.</a:t>
                 </a:r>
               </a:p>
               <a:p>
@@ -6853,7 +6837,7 @@
                     <a:latin typeface="Arial" panose="020B0604020202020204" pitchFamily="34" charset="0"/>
                     <a:cs typeface="Arial" panose="020B0604020202020204" pitchFamily="34" charset="0"/>
                   </a:rPr>
-                  <a:t>We Tried different FC and CNN architectures and best results were with:</a:t>
+                  <a:t>We tried different FC and CNN architectures and got the best results with:</a:t>
                 </a:r>
               </a:p>
               <a:p>
@@ -6944,13 +6928,13 @@
                     <a:latin typeface="Arial" panose="020B0604020202020204" pitchFamily="34" charset="0"/>
                     <a:cs typeface="Arial" panose="020B0604020202020204" pitchFamily="34" charset="0"/>
                   </a:rPr>
-                  <a:t>CNN network with filters that their sizes compatible for each row, column and block in the puzzle.</a:t>
+                  <a:t>CNN network with filters, which sizes are compatible for each row, column and block in the puzzle.</a:t>
                 </a:r>
               </a:p>
             </p:txBody>
           </p:sp>
         </mc:Choice>
-        <mc:Fallback xmlns="">
+        <mc:Fallback>
           <p:sp>
             <p:nvSpPr>
               <p:cNvPr id="14" name="Rectangle 4">
@@ -6974,9 +6958,9 @@
                 <a:avLst/>
               </a:prstGeom>
               <a:blipFill>
-                <a:blip r:embed="rId10"/>
+                <a:blip r:embed="rId7"/>
                 <a:stretch>
-                  <a:fillRect l="-1854" t="-6068" r="-1112" b="-260437"/>
+                  <a:fillRect l="-1854" t="-6068" r="-2225" b="-233738"/>
                 </a:stretch>
               </a:blipFill>
               <a:ln>
@@ -7223,26 +7207,6 @@
                 <a:latin typeface="Arial" panose="020B0604020202020204" pitchFamily="34" charset="0"/>
                 <a:cs typeface="Arial" panose="020B0604020202020204" pitchFamily="34" charset="0"/>
               </a:rPr>
-              <a:t>In an article: Guy, H. (2019). “On the power of curriculum learning in training deep networks”, we saw that Curriculum learning in deep neural networks can improve the results of the network.</a:t>
-            </a:r>
-          </a:p>
-          <a:p>
-            <a:pPr marL="425679" indent="-425679" algn="l" rtl="0">
-              <a:spcBef>
-                <a:spcPts val="1682"/>
-              </a:spcBef>
-              <a:buSzPct val="125000"/>
-              <a:buFont typeface="Arial" pitchFamily="34" charset="0"/>
-              <a:buChar char="•"/>
-            </a:pPr>
-            <a:r>
-              <a:rPr lang="en-US" sz="2990" b="0" dirty="0">
-                <a:solidFill>
-                  <a:srgbClr val="000060"/>
-                </a:solidFill>
-                <a:latin typeface="Arial" panose="020B0604020202020204" pitchFamily="34" charset="0"/>
-                <a:cs typeface="Arial" panose="020B0604020202020204" pitchFamily="34" charset="0"/>
-              </a:rPr>
               <a:t>Training method in our project:</a:t>
             </a:r>
           </a:p>
@@ -7263,7 +7227,7 @@
                 <a:latin typeface="Arial" panose="020B0604020202020204" pitchFamily="34" charset="0"/>
                 <a:cs typeface="Arial" panose="020B0604020202020204" pitchFamily="34" charset="0"/>
               </a:rPr>
-              <a:t>Increasing number of deleted digits in the puzzle to increase the level of difficulty.</a:t>
+              <a:t>Increasing the number of deleted digits in the puzzle to increase the level of difficulty.</a:t>
             </a:r>
           </a:p>
           <a:p>
@@ -7322,42 +7286,6 @@
               <a:latin typeface="Arial" panose="020B0604020202020204" pitchFamily="34" charset="0"/>
               <a:cs typeface="Arial" panose="020B0604020202020204" pitchFamily="34" charset="0"/>
             </a:endParaRPr>
-          </a:p>
-          <a:p>
-            <a:pPr marL="425679" indent="-425679" algn="l" rtl="0">
-              <a:spcBef>
-                <a:spcPts val="1682"/>
-              </a:spcBef>
-              <a:buSzPct val="125000"/>
-              <a:buFont typeface="Arial" pitchFamily="34" charset="0"/>
-              <a:buChar char="•"/>
-            </a:pPr>
-            <a:r>
-              <a:rPr lang="he-IL" sz="2990" b="0" dirty="0">
-                <a:solidFill>
-                  <a:srgbClr val="000060"/>
-                </a:solidFill>
-                <a:highlight>
-                  <a:srgbClr val="FFFF00"/>
-                </a:highlight>
-                <a:latin typeface="Arial" panose="020B0604020202020204" pitchFamily="34" charset="0"/>
-                <a:cs typeface="Arial" panose="020B0604020202020204" pitchFamily="34" charset="0"/>
-              </a:rPr>
-              <a:t> גרף של השוואה בין התוצאות עם ובלי </a:t>
-            </a:r>
-            <a:r>
-              <a:rPr lang="en-US" sz="2990" b="0" dirty="0">
-                <a:solidFill>
-                  <a:srgbClr val="000060"/>
-                </a:solidFill>
-                <a:highlight>
-                  <a:srgbClr val="FFFF00"/>
-                </a:highlight>
-                <a:latin typeface="Arial" panose="020B0604020202020204" pitchFamily="34" charset="0"/>
-                <a:cs typeface="Arial" panose="020B0604020202020204" pitchFamily="34" charset="0"/>
-              </a:rPr>
-              <a:t>curriculum</a:t>
-            </a:r>
           </a:p>
           <a:p>
             <a:pPr marL="425679" indent="-425679" algn="l" rtl="0">
@@ -7432,68 +7360,6 @@
           </a:p>
         </p:txBody>
       </p:sp>
-      <p:sp>
-        <p:nvSpPr>
-          <p:cNvPr id="192" name="תיבת טקסט 191">
-            <a:extLst>
-              <a:ext uri="{FF2B5EF4-FFF2-40B4-BE49-F238E27FC236}">
-                <a16:creationId xmlns:a16="http://schemas.microsoft.com/office/drawing/2014/main" id="{08FB1DF8-1272-4ECA-AC37-50526D3B620F}"/>
-              </a:ext>
-            </a:extLst>
-          </p:cNvPr>
-          <p:cNvSpPr txBox="1"/>
-          <p:nvPr/>
-        </p:nvSpPr>
-        <p:spPr>
-          <a:xfrm>
-            <a:off x="20515893" y="10836886"/>
-            <a:ext cx="15175148" cy="830997"/>
-          </a:xfrm>
-          <a:prstGeom prst="rect">
-            <a:avLst/>
-          </a:prstGeom>
-          <a:noFill/>
-        </p:spPr>
-        <p:txBody>
-          <a:bodyPr wrap="square">
-            <a:spAutoFit/>
-          </a:bodyPr>
-          <a:lstStyle/>
-          <a:p>
-            <a:pPr marL="425679" indent="-425679" algn="l" rtl="0">
-              <a:spcBef>
-                <a:spcPts val="1682"/>
-              </a:spcBef>
-              <a:buSzPct val="125000"/>
-              <a:buFont typeface="Arial" pitchFamily="34" charset="0"/>
-              <a:buChar char="•"/>
-            </a:pPr>
-            <a:r>
-              <a:rPr lang="he-IL" sz="4800" b="0" dirty="0">
-                <a:solidFill>
-                  <a:srgbClr val="000060"/>
-                </a:solidFill>
-                <a:highlight>
-                  <a:srgbClr val="FFFF00"/>
-                </a:highlight>
-                <a:latin typeface="Arial" panose="020B0604020202020204" pitchFamily="34" charset="0"/>
-                <a:cs typeface="Arial" panose="020B0604020202020204" pitchFamily="34" charset="0"/>
-              </a:rPr>
-              <a:t>גרפים יפים של איבר ספציפי ברשת</a:t>
-            </a:r>
-            <a:endParaRPr lang="en-US" sz="4800" b="0" dirty="0">
-              <a:solidFill>
-                <a:srgbClr val="000060"/>
-              </a:solidFill>
-              <a:highlight>
-                <a:srgbClr val="FFFF00"/>
-              </a:highlight>
-              <a:latin typeface="Arial" panose="020B0604020202020204" pitchFamily="34" charset="0"/>
-              <a:cs typeface="Arial" panose="020B0604020202020204" pitchFamily="34" charset="0"/>
-            </a:endParaRPr>
-          </a:p>
-        </p:txBody>
-      </p:sp>
       <p:pic>
         <p:nvPicPr>
           <p:cNvPr id="37" name="תמונה 36">
@@ -7507,7 +7373,7 @@
           <p:nvPr/>
         </p:nvPicPr>
         <p:blipFill>
-          <a:blip r:embed="rId11">
+          <a:blip r:embed="rId8">
             <a:extLst>
               <a:ext uri="{28A0092B-C50C-407E-A947-70E740481C1C}">
                 <a14:useLocalDpi xmlns:a14="http://schemas.microsoft.com/office/drawing/2010/main" val="0"/>
@@ -7542,8 +7408,8 @@
         </p:nvSpPr>
         <p:spPr>
           <a:xfrm>
-            <a:off x="20754206" y="8600281"/>
-            <a:ext cx="9360000" cy="1128962"/>
+            <a:off x="20928360" y="8600281"/>
+            <a:ext cx="8679994" cy="1128962"/>
           </a:xfrm>
           <a:prstGeom prst="roundRect">
             <a:avLst>
@@ -7643,7 +7509,7 @@
                 <a:latin typeface="Arial" panose="020B0604020202020204" pitchFamily="34" charset="0"/>
                 <a:cs typeface="Arial" panose="020B0604020202020204" pitchFamily="34" charset="0"/>
               </a:rPr>
-              <a:t>Analyzing The Net</a:t>
+              <a:t>Analyzing the Net</a:t>
             </a:r>
           </a:p>
         </p:txBody>
@@ -7662,8 +7528,8 @@
         </p:nvSpPr>
         <p:spPr>
           <a:xfrm>
-            <a:off x="20754206" y="8600281"/>
-            <a:ext cx="9360000" cy="14369766"/>
+            <a:off x="20928362" y="8600280"/>
+            <a:ext cx="8716852" cy="18733554"/>
           </a:xfrm>
           <a:prstGeom prst="roundRect">
             <a:avLst>
@@ -7785,7 +7651,7 @@
           <p:nvPr/>
         </p:nvPicPr>
         <p:blipFill>
-          <a:blip r:embed="rId12"/>
+          <a:blip r:embed="rId9"/>
           <a:stretch>
             <a:fillRect/>
           </a:stretch>
@@ -7800,6 +7666,692 @@
           </a:prstGeom>
         </p:spPr>
       </p:pic>
+      <p:pic>
+        <p:nvPicPr>
+          <p:cNvPr id="2" name="תמונה 1">
+            <a:extLst>
+              <a:ext uri="{FF2B5EF4-FFF2-40B4-BE49-F238E27FC236}">
+                <a16:creationId xmlns:a16="http://schemas.microsoft.com/office/drawing/2014/main" id="{AAD6D82D-90C2-44AE-806B-B31F0BAE88F8}"/>
+              </a:ext>
+            </a:extLst>
+          </p:cNvPr>
+          <p:cNvPicPr/>
+          <p:nvPr/>
+        </p:nvPicPr>
+        <p:blipFill>
+          <a:blip r:embed="rId10"/>
+          <a:stretch>
+            <a:fillRect/>
+          </a:stretch>
+        </p:blipFill>
+        <p:spPr>
+          <a:xfrm>
+            <a:off x="11549157" y="36032281"/>
+            <a:ext cx="6972300" cy="5185410"/>
+          </a:xfrm>
+          <a:prstGeom prst="rect">
+            <a:avLst/>
+          </a:prstGeom>
+        </p:spPr>
+      </p:pic>
+      <p:pic>
+        <p:nvPicPr>
+          <p:cNvPr id="5" name="תמונה 4">
+            <a:extLst>
+              <a:ext uri="{FF2B5EF4-FFF2-40B4-BE49-F238E27FC236}">
+                <a16:creationId xmlns:a16="http://schemas.microsoft.com/office/drawing/2014/main" id="{0358DF0A-5FB1-4F76-8219-02E1CE81674D}"/>
+              </a:ext>
+            </a:extLst>
+          </p:cNvPr>
+          <p:cNvPicPr/>
+          <p:nvPr/>
+        </p:nvPicPr>
+        <p:blipFill rotWithShape="1">
+          <a:blip r:embed="rId11"/>
+          <a:srcRect l="2739" t="2708" r="-253" b="4688"/>
+          <a:stretch/>
+        </p:blipFill>
+        <p:spPr>
+          <a:xfrm>
+            <a:off x="20993236" y="12732844"/>
+            <a:ext cx="4114800" cy="3283471"/>
+          </a:xfrm>
+          <a:prstGeom prst="rect">
+            <a:avLst/>
+          </a:prstGeom>
+        </p:spPr>
+      </p:pic>
+      <p:pic>
+        <p:nvPicPr>
+          <p:cNvPr id="6" name="תמונה 5">
+            <a:extLst>
+              <a:ext uri="{FF2B5EF4-FFF2-40B4-BE49-F238E27FC236}">
+                <a16:creationId xmlns:a16="http://schemas.microsoft.com/office/drawing/2014/main" id="{C5E73533-EA86-4FDE-ACC6-427D34013674}"/>
+              </a:ext>
+            </a:extLst>
+          </p:cNvPr>
+          <p:cNvPicPr/>
+          <p:nvPr/>
+        </p:nvPicPr>
+        <p:blipFill rotWithShape="1">
+          <a:blip r:embed="rId12"/>
+          <a:srcRect r="2422"/>
+          <a:stretch/>
+        </p:blipFill>
+        <p:spPr>
+          <a:xfrm>
+            <a:off x="25163837" y="12638881"/>
+            <a:ext cx="4320163" cy="3475076"/>
+          </a:xfrm>
+          <a:prstGeom prst="rect">
+            <a:avLst/>
+          </a:prstGeom>
+        </p:spPr>
+      </p:pic>
+      <p:sp>
+        <p:nvSpPr>
+          <p:cNvPr id="12" name="Rectangle 4">
+            <a:extLst>
+              <a:ext uri="{FF2B5EF4-FFF2-40B4-BE49-F238E27FC236}">
+                <a16:creationId xmlns:a16="http://schemas.microsoft.com/office/drawing/2014/main" id="{F8FA28BA-6915-486F-B1D9-C54B3AB731F8}"/>
+              </a:ext>
+            </a:extLst>
+          </p:cNvPr>
+          <p:cNvSpPr>
+            <a:spLocks noChangeArrowheads="1"/>
+          </p:cNvSpPr>
+          <p:nvPr/>
+        </p:nvSpPr>
+        <p:spPr bwMode="auto">
+          <a:xfrm>
+            <a:off x="21087968" y="10283242"/>
+            <a:ext cx="8984254" cy="2511850"/>
+          </a:xfrm>
+          <a:prstGeom prst="rect">
+            <a:avLst/>
+          </a:prstGeom>
+          <a:noFill/>
+          <a:ln>
+            <a:noFill/>
+          </a:ln>
+          <a:extLst>
+            <a:ext uri="{909E8E84-426E-40DD-AFC4-6F175D3DCCD1}">
+              <a14:hiddenFill xmlns:a14="http://schemas.microsoft.com/office/drawing/2010/main">
+                <a:solidFill>
+                  <a:srgbClr val="FFFFFF"/>
+                </a:solidFill>
+              </a14:hiddenFill>
+            </a:ext>
+            <a:ext uri="{91240B29-F687-4F45-9708-019B960494DF}">
+              <a14:hiddenLine xmlns:a14="http://schemas.microsoft.com/office/drawing/2010/main" w="9525">
+                <a:solidFill>
+                  <a:srgbClr val="000000"/>
+                </a:solidFill>
+                <a:miter lim="800000"/>
+                <a:headEnd/>
+                <a:tailEnd/>
+              </a14:hiddenLine>
+            </a:ext>
+          </a:extLst>
+        </p:spPr>
+        <p:txBody>
+          <a:bodyPr/>
+          <a:lstStyle/>
+          <a:p>
+            <a:pPr algn="l" rtl="0">
+              <a:spcBef>
+                <a:spcPts val="1682"/>
+              </a:spcBef>
+              <a:buSzPct val="125000"/>
+            </a:pPr>
+            <a:r>
+              <a:rPr lang="en-US" sz="2990" b="0" dirty="0">
+                <a:solidFill>
+                  <a:srgbClr val="000060"/>
+                </a:solidFill>
+                <a:latin typeface="Arial" panose="020B0604020202020204" pitchFamily="34" charset="0"/>
+                <a:cs typeface="Arial" panose="020B0604020202020204" pitchFamily="34" charset="0"/>
+              </a:rPr>
+              <a:t>Analyzing the net performance on test puzzles:</a:t>
+            </a:r>
+          </a:p>
+          <a:p>
+            <a:pPr marL="899084" lvl="1" indent="-457200" algn="l" rtl="0">
+              <a:spcBef>
+                <a:spcPts val="1682"/>
+              </a:spcBef>
+              <a:buSzPct val="125000"/>
+              <a:buFont typeface="Arial" panose="020B0604020202020204" pitchFamily="34" charset="0"/>
+              <a:buChar char="•"/>
+            </a:pPr>
+            <a:r>
+              <a:rPr lang="en-US" sz="2990" b="0" dirty="0">
+                <a:solidFill>
+                  <a:srgbClr val="000060"/>
+                </a:solidFill>
+                <a:latin typeface="Arial" panose="020B0604020202020204" pitchFamily="34" charset="0"/>
+                <a:cs typeface="Arial" panose="020B0604020202020204" pitchFamily="34" charset="0"/>
+              </a:rPr>
+              <a:t>That way we can evaluate what the net “thinks” before solving the puzzle.</a:t>
+            </a:r>
+          </a:p>
+        </p:txBody>
+      </p:sp>
+      <p:sp>
+        <p:nvSpPr>
+          <p:cNvPr id="13" name="Rectangle 4">
+            <a:extLst>
+              <a:ext uri="{FF2B5EF4-FFF2-40B4-BE49-F238E27FC236}">
+                <a16:creationId xmlns:a16="http://schemas.microsoft.com/office/drawing/2014/main" id="{A1F23E36-ED7F-498C-8C10-88BC397419D4}"/>
+              </a:ext>
+            </a:extLst>
+          </p:cNvPr>
+          <p:cNvSpPr>
+            <a:spLocks noChangeArrowheads="1"/>
+          </p:cNvSpPr>
+          <p:nvPr/>
+        </p:nvSpPr>
+        <p:spPr bwMode="auto">
+          <a:xfrm>
+            <a:off x="10565606" y="41186267"/>
+            <a:ext cx="8478682" cy="779110"/>
+          </a:xfrm>
+          <a:prstGeom prst="rect">
+            <a:avLst/>
+          </a:prstGeom>
+          <a:noFill/>
+          <a:ln>
+            <a:noFill/>
+          </a:ln>
+          <a:extLst>
+            <a:ext uri="{909E8E84-426E-40DD-AFC4-6F175D3DCCD1}">
+              <a14:hiddenFill xmlns:a14="http://schemas.microsoft.com/office/drawing/2010/main">
+                <a:solidFill>
+                  <a:srgbClr val="FFFFFF"/>
+                </a:solidFill>
+              </a14:hiddenFill>
+            </a:ext>
+            <a:ext uri="{91240B29-F687-4F45-9708-019B960494DF}">
+              <a14:hiddenLine xmlns:a14="http://schemas.microsoft.com/office/drawing/2010/main" w="9525">
+                <a:solidFill>
+                  <a:srgbClr val="000000"/>
+                </a:solidFill>
+                <a:miter lim="800000"/>
+                <a:headEnd/>
+                <a:tailEnd/>
+              </a14:hiddenLine>
+            </a:ext>
+          </a:extLst>
+        </p:spPr>
+        <p:txBody>
+          <a:bodyPr/>
+          <a:lstStyle/>
+          <a:p>
+            <a:pPr algn="ctr" rtl="0">
+              <a:spcBef>
+                <a:spcPts val="1682"/>
+              </a:spcBef>
+            </a:pPr>
+            <a:r>
+              <a:rPr lang="en-US" sz="2200" b="0" dirty="0">
+                <a:solidFill>
+                  <a:schemeClr val="dk1"/>
+                </a:solidFill>
+                <a:latin typeface="Arial" panose="020B0604020202020204" pitchFamily="34" charset="0"/>
+                <a:cs typeface="Arial" panose="020B0604020202020204" pitchFamily="34" charset="0"/>
+              </a:rPr>
+              <a:t>Confusion matrix for each digit in the test set</a:t>
+            </a:r>
+          </a:p>
+        </p:txBody>
+      </p:sp>
+      <p:sp>
+        <p:nvSpPr>
+          <p:cNvPr id="31" name="חץ: ימינה 30">
+            <a:extLst>
+              <a:ext uri="{FF2B5EF4-FFF2-40B4-BE49-F238E27FC236}">
+                <a16:creationId xmlns:a16="http://schemas.microsoft.com/office/drawing/2014/main" id="{766178A5-AB1A-46C0-9E65-0B866CD33A7A}"/>
+              </a:ext>
+            </a:extLst>
+          </p:cNvPr>
+          <p:cNvSpPr/>
+          <p:nvPr/>
+        </p:nvSpPr>
+        <p:spPr bwMode="auto">
+          <a:xfrm>
+            <a:off x="25018252" y="14333308"/>
+            <a:ext cx="309316" cy="234048"/>
+          </a:xfrm>
+          <a:prstGeom prst="rightArrow">
+            <a:avLst/>
+          </a:prstGeom>
+          <a:solidFill>
+            <a:srgbClr val="000066"/>
+          </a:solidFill>
+          <a:ln w="9525" cap="flat" cmpd="sng" algn="ctr">
+            <a:solidFill>
+              <a:schemeClr val="tx1"/>
+            </a:solidFill>
+            <a:prstDash val="solid"/>
+            <a:round/>
+            <a:headEnd type="none" w="med" len="med"/>
+            <a:tailEnd type="none" w="med" len="med"/>
+          </a:ln>
+          <a:effectLst/>
+          <a:extLst>
+            <a:ext uri="{AF507438-7753-43E0-B8FC-AC1667EBCBE1}">
+              <a14:hiddenEffects xmlns:a14="http://schemas.microsoft.com/office/drawing/2010/main">
+                <a:effectLst>
+                  <a:outerShdw dist="35921" dir="2700000" algn="ctr" rotWithShape="0">
+                    <a:schemeClr val="bg2"/>
+                  </a:outerShdw>
+                </a:effectLst>
+              </a14:hiddenEffects>
+            </a:ext>
+          </a:extLst>
+        </p:spPr>
+        <p:txBody>
+          <a:bodyPr vert="horz" wrap="none" lIns="91440" tIns="45720" rIns="91440" bIns="45720" numCol="1" rtlCol="1" anchor="ctr" anchorCtr="0" compatLnSpc="1">
+            <a:prstTxWarp prst="textNoShape">
+              <a:avLst/>
+            </a:prstTxWarp>
+          </a:bodyPr>
+          <a:lstStyle/>
+          <a:p>
+            <a:pPr marL="0" marR="0" indent="0" algn="ctr" defTabSz="1042988" rtl="0" eaLnBrk="0" fontAlgn="base" latinLnBrk="0" hangingPunct="0">
+              <a:lnSpc>
+                <a:spcPct val="100000"/>
+              </a:lnSpc>
+              <a:spcBef>
+                <a:spcPct val="0"/>
+              </a:spcBef>
+              <a:spcAft>
+                <a:spcPct val="0"/>
+              </a:spcAft>
+              <a:buClrTx/>
+              <a:buSzTx/>
+              <a:buFontTx/>
+              <a:buNone/>
+              <a:tabLst/>
+            </a:pPr>
+            <a:endParaRPr kumimoji="0" lang="he-IL" sz="4600" b="1" i="0" u="none" strike="noStrike" cap="none" normalizeH="0" baseline="0">
+              <a:ln>
+                <a:noFill/>
+              </a:ln>
+              <a:solidFill>
+                <a:srgbClr val="003399"/>
+              </a:solidFill>
+              <a:effectLst/>
+              <a:latin typeface="Arial" charset="0"/>
+            </a:endParaRPr>
+          </a:p>
+        </p:txBody>
+      </p:sp>
+      <p:pic>
+        <p:nvPicPr>
+          <p:cNvPr id="34" name="תמונה 33">
+            <a:extLst>
+              <a:ext uri="{FF2B5EF4-FFF2-40B4-BE49-F238E27FC236}">
+                <a16:creationId xmlns:a16="http://schemas.microsoft.com/office/drawing/2014/main" id="{C11E7E01-8ED1-4FEB-9AC8-2F99C875BFE1}"/>
+              </a:ext>
+            </a:extLst>
+          </p:cNvPr>
+          <p:cNvPicPr/>
+          <p:nvPr/>
+        </p:nvPicPr>
+        <p:blipFill rotWithShape="1">
+          <a:blip r:embed="rId13"/>
+          <a:srcRect l="8353" r="9297"/>
+          <a:stretch/>
+        </p:blipFill>
+        <p:spPr>
+          <a:xfrm>
+            <a:off x="22148006" y="16578763"/>
+            <a:ext cx="6324600" cy="3802233"/>
+          </a:xfrm>
+          <a:prstGeom prst="rect">
+            <a:avLst/>
+          </a:prstGeom>
+        </p:spPr>
+      </p:pic>
+      <p:pic>
+        <p:nvPicPr>
+          <p:cNvPr id="35" name="תמונה 34">
+            <a:extLst>
+              <a:ext uri="{FF2B5EF4-FFF2-40B4-BE49-F238E27FC236}">
+                <a16:creationId xmlns:a16="http://schemas.microsoft.com/office/drawing/2014/main" id="{1FEFF48D-1233-4B2C-B5D6-E657C29FA87D}"/>
+              </a:ext>
+            </a:extLst>
+          </p:cNvPr>
+          <p:cNvPicPr/>
+          <p:nvPr/>
+        </p:nvPicPr>
+        <p:blipFill rotWithShape="1">
+          <a:blip r:embed="rId14"/>
+          <a:srcRect l="9327" t="682" r="8651" b="1689"/>
+          <a:stretch/>
+        </p:blipFill>
+        <p:spPr>
+          <a:xfrm>
+            <a:off x="22036021" y="20852396"/>
+            <a:ext cx="6447664" cy="3551222"/>
+          </a:xfrm>
+          <a:prstGeom prst="rect">
+            <a:avLst/>
+          </a:prstGeom>
+        </p:spPr>
+      </p:pic>
+      <p:grpSp>
+        <p:nvGrpSpPr>
+          <p:cNvPr id="43" name="קבוצה 42">
+            <a:extLst>
+              <a:ext uri="{FF2B5EF4-FFF2-40B4-BE49-F238E27FC236}">
+                <a16:creationId xmlns:a16="http://schemas.microsoft.com/office/drawing/2014/main" id="{12B03457-17C2-4A4E-B81E-184FCCC80924}"/>
+              </a:ext>
+            </a:extLst>
+          </p:cNvPr>
+          <p:cNvGrpSpPr/>
+          <p:nvPr/>
+        </p:nvGrpSpPr>
+        <p:grpSpPr>
+          <a:xfrm>
+            <a:off x="23459283" y="24706599"/>
+            <a:ext cx="4495800" cy="2481238"/>
+            <a:chOff x="23025472" y="25723113"/>
+            <a:chExt cx="2996654" cy="1253623"/>
+          </a:xfrm>
+        </p:grpSpPr>
+        <p:pic>
+          <p:nvPicPr>
+            <p:cNvPr id="36" name="תמונה 35">
+              <a:extLst>
+                <a:ext uri="{FF2B5EF4-FFF2-40B4-BE49-F238E27FC236}">
+                  <a16:creationId xmlns:a16="http://schemas.microsoft.com/office/drawing/2014/main" id="{C5AF7568-277D-4762-82CB-160A584A1031}"/>
+                </a:ext>
+              </a:extLst>
+            </p:cNvPr>
+            <p:cNvPicPr/>
+            <p:nvPr/>
+          </p:nvPicPr>
+          <p:blipFill rotWithShape="1">
+            <a:blip r:embed="rId15"/>
+            <a:srcRect l="31818" t="19276" r="28410" b="2030"/>
+            <a:stretch/>
+          </p:blipFill>
+          <p:spPr>
+            <a:xfrm>
+              <a:off x="23025472" y="25763512"/>
+              <a:ext cx="2667000" cy="1213224"/>
+            </a:xfrm>
+            <a:prstGeom prst="rect">
+              <a:avLst/>
+            </a:prstGeom>
+          </p:spPr>
+        </p:pic>
+        <p:sp>
+          <p:nvSpPr>
+            <p:cNvPr id="42" name="מלבן 41">
+              <a:extLst>
+                <a:ext uri="{FF2B5EF4-FFF2-40B4-BE49-F238E27FC236}">
+                  <a16:creationId xmlns:a16="http://schemas.microsoft.com/office/drawing/2014/main" id="{F8A2E041-E1CE-4935-8ED0-57D7AFBEFD66}"/>
+                </a:ext>
+              </a:extLst>
+            </p:cNvPr>
+            <p:cNvSpPr/>
+            <p:nvPr/>
+          </p:nvSpPr>
+          <p:spPr bwMode="auto">
+            <a:xfrm>
+              <a:off x="25641126" y="25723113"/>
+              <a:ext cx="381000" cy="1241111"/>
+            </a:xfrm>
+            <a:prstGeom prst="rect">
+              <a:avLst/>
+            </a:prstGeom>
+            <a:solidFill>
+              <a:schemeClr val="bg1"/>
+            </a:solidFill>
+            <a:ln w="9525" cap="flat" cmpd="sng" algn="ctr">
+              <a:noFill/>
+              <a:prstDash val="solid"/>
+              <a:round/>
+              <a:headEnd type="none" w="med" len="med"/>
+              <a:tailEnd type="none" w="med" len="med"/>
+            </a:ln>
+            <a:effectLst/>
+          </p:spPr>
+          <p:txBody>
+            <a:bodyPr vert="horz" wrap="none" lIns="91440" tIns="45720" rIns="91440" bIns="45720" numCol="1" rtlCol="1" anchor="ctr" anchorCtr="0" compatLnSpc="1">
+              <a:prstTxWarp prst="textNoShape">
+                <a:avLst/>
+              </a:prstTxWarp>
+            </a:bodyPr>
+            <a:lstStyle/>
+            <a:p>
+              <a:pPr marL="0" marR="0" indent="0" algn="ctr" defTabSz="1042988" rtl="0" eaLnBrk="0" fontAlgn="base" latinLnBrk="0" hangingPunct="0">
+                <a:lnSpc>
+                  <a:spcPct val="100000"/>
+                </a:lnSpc>
+                <a:spcBef>
+                  <a:spcPct val="0"/>
+                </a:spcBef>
+                <a:spcAft>
+                  <a:spcPct val="0"/>
+                </a:spcAft>
+                <a:buClrTx/>
+                <a:buSzTx/>
+                <a:buFontTx/>
+                <a:buNone/>
+                <a:tabLst/>
+              </a:pPr>
+              <a:endParaRPr kumimoji="0" lang="he-IL" sz="4600" b="1" i="0" u="none" strike="noStrike" cap="none" normalizeH="0" baseline="0">
+                <a:ln>
+                  <a:noFill/>
+                </a:ln>
+                <a:solidFill>
+                  <a:srgbClr val="003399"/>
+                </a:solidFill>
+                <a:effectLst/>
+                <a:latin typeface="Arial" charset="0"/>
+              </a:endParaRPr>
+            </a:p>
+          </p:txBody>
+        </p:sp>
+      </p:grpSp>
+      <p:sp>
+        <p:nvSpPr>
+          <p:cNvPr id="45" name="חץ: ימינה 44">
+            <a:extLst>
+              <a:ext uri="{FF2B5EF4-FFF2-40B4-BE49-F238E27FC236}">
+                <a16:creationId xmlns:a16="http://schemas.microsoft.com/office/drawing/2014/main" id="{ADD69217-DFE0-4071-9885-AEB62B916557}"/>
+              </a:ext>
+            </a:extLst>
+          </p:cNvPr>
+          <p:cNvSpPr/>
+          <p:nvPr/>
+        </p:nvSpPr>
+        <p:spPr bwMode="auto">
+          <a:xfrm rot="5400000">
+            <a:off x="25248127" y="20492440"/>
+            <a:ext cx="389842" cy="236149"/>
+          </a:xfrm>
+          <a:prstGeom prst="rightArrow">
+            <a:avLst/>
+          </a:prstGeom>
+          <a:solidFill>
+            <a:srgbClr val="000066"/>
+          </a:solidFill>
+          <a:ln w="9525" cap="flat" cmpd="sng" algn="ctr">
+            <a:solidFill>
+              <a:schemeClr val="tx1"/>
+            </a:solidFill>
+            <a:prstDash val="solid"/>
+            <a:round/>
+            <a:headEnd type="none" w="med" len="med"/>
+            <a:tailEnd type="none" w="med" len="med"/>
+          </a:ln>
+          <a:effectLst/>
+          <a:extLst>
+            <a:ext uri="{AF507438-7753-43E0-B8FC-AC1667EBCBE1}">
+              <a14:hiddenEffects xmlns:a14="http://schemas.microsoft.com/office/drawing/2010/main">
+                <a:effectLst>
+                  <a:outerShdw dist="35921" dir="2700000" algn="ctr" rotWithShape="0">
+                    <a:schemeClr val="bg2"/>
+                  </a:outerShdw>
+                </a:effectLst>
+              </a14:hiddenEffects>
+            </a:ext>
+          </a:extLst>
+        </p:spPr>
+        <p:txBody>
+          <a:bodyPr vert="horz" wrap="none" lIns="91440" tIns="45720" rIns="91440" bIns="45720" numCol="1" rtlCol="1" anchor="ctr" anchorCtr="0" compatLnSpc="1">
+            <a:prstTxWarp prst="textNoShape">
+              <a:avLst/>
+            </a:prstTxWarp>
+          </a:bodyPr>
+          <a:lstStyle/>
+          <a:p>
+            <a:pPr marL="0" marR="0" indent="0" algn="ctr" defTabSz="1042988" rtl="0" eaLnBrk="0" fontAlgn="base" latinLnBrk="0" hangingPunct="0">
+              <a:lnSpc>
+                <a:spcPct val="100000"/>
+              </a:lnSpc>
+              <a:spcBef>
+                <a:spcPct val="0"/>
+              </a:spcBef>
+              <a:spcAft>
+                <a:spcPct val="0"/>
+              </a:spcAft>
+              <a:buClrTx/>
+              <a:buSzTx/>
+              <a:buFontTx/>
+              <a:buNone/>
+              <a:tabLst/>
+            </a:pPr>
+            <a:endParaRPr kumimoji="0" lang="he-IL" sz="4600" b="1" i="0" u="none" strike="noStrike" cap="none" normalizeH="0" baseline="0">
+              <a:ln>
+                <a:noFill/>
+              </a:ln>
+              <a:solidFill>
+                <a:srgbClr val="003399"/>
+              </a:solidFill>
+              <a:effectLst/>
+              <a:latin typeface="Arial" charset="0"/>
+            </a:endParaRPr>
+          </a:p>
+        </p:txBody>
+      </p:sp>
+      <p:pic>
+        <p:nvPicPr>
+          <p:cNvPr id="48" name="תמונה 47">
+            <a:extLst>
+              <a:ext uri="{FF2B5EF4-FFF2-40B4-BE49-F238E27FC236}">
+                <a16:creationId xmlns:a16="http://schemas.microsoft.com/office/drawing/2014/main" id="{1ECC3348-5B5A-4271-9D58-F270A103AE7E}"/>
+              </a:ext>
+            </a:extLst>
+          </p:cNvPr>
+          <p:cNvPicPr>
+            <a:picLocks noChangeAspect="1"/>
+          </p:cNvPicPr>
+          <p:nvPr/>
+        </p:nvPicPr>
+        <p:blipFill>
+          <a:blip r:embed="rId16"/>
+          <a:stretch>
+            <a:fillRect/>
+          </a:stretch>
+        </p:blipFill>
+        <p:spPr>
+          <a:xfrm>
+            <a:off x="21047449" y="28879900"/>
+            <a:ext cx="8424811" cy="4707983"/>
+          </a:xfrm>
+          <a:prstGeom prst="rect">
+            <a:avLst/>
+          </a:prstGeom>
+        </p:spPr>
+      </p:pic>
+      <p:sp>
+        <p:nvSpPr>
+          <p:cNvPr id="52" name="חץ: ימינה 51">
+            <a:extLst>
+              <a:ext uri="{FF2B5EF4-FFF2-40B4-BE49-F238E27FC236}">
+                <a16:creationId xmlns:a16="http://schemas.microsoft.com/office/drawing/2014/main" id="{00EEF595-E170-4414-9BCD-D0302D7A52D1}"/>
+              </a:ext>
+            </a:extLst>
+          </p:cNvPr>
+          <p:cNvSpPr/>
+          <p:nvPr/>
+        </p:nvSpPr>
+        <p:spPr bwMode="auto">
+          <a:xfrm rot="5400000">
+            <a:off x="25187810" y="24542724"/>
+            <a:ext cx="389842" cy="236149"/>
+          </a:xfrm>
+          <a:prstGeom prst="rightArrow">
+            <a:avLst/>
+          </a:prstGeom>
+          <a:solidFill>
+            <a:srgbClr val="000066"/>
+          </a:solidFill>
+          <a:ln w="9525" cap="flat" cmpd="sng" algn="ctr">
+            <a:solidFill>
+              <a:schemeClr val="tx1"/>
+            </a:solidFill>
+            <a:prstDash val="solid"/>
+            <a:round/>
+            <a:headEnd type="none" w="med" len="med"/>
+            <a:tailEnd type="none" w="med" len="med"/>
+          </a:ln>
+          <a:effectLst/>
+          <a:extLst>
+            <a:ext uri="{AF507438-7753-43E0-B8FC-AC1667EBCBE1}">
+              <a14:hiddenEffects xmlns:a14="http://schemas.microsoft.com/office/drawing/2010/main">
+                <a:effectLst>
+                  <a:outerShdw dist="35921" dir="2700000" algn="ctr" rotWithShape="0">
+                    <a:schemeClr val="bg2"/>
+                  </a:outerShdw>
+                </a:effectLst>
+              </a14:hiddenEffects>
+            </a:ext>
+          </a:extLst>
+        </p:spPr>
+        <p:txBody>
+          <a:bodyPr vert="horz" wrap="none" lIns="91440" tIns="45720" rIns="91440" bIns="45720" numCol="1" rtlCol="1" anchor="ctr" anchorCtr="0" compatLnSpc="1">
+            <a:prstTxWarp prst="textNoShape">
+              <a:avLst/>
+            </a:prstTxWarp>
+          </a:bodyPr>
+          <a:lstStyle/>
+          <a:p>
+            <a:pPr marL="0" marR="0" indent="0" algn="ctr" defTabSz="1042988" rtl="0" eaLnBrk="0" fontAlgn="base" latinLnBrk="0" hangingPunct="0">
+              <a:lnSpc>
+                <a:spcPct val="100000"/>
+              </a:lnSpc>
+              <a:spcBef>
+                <a:spcPct val="0"/>
+              </a:spcBef>
+              <a:spcAft>
+                <a:spcPct val="0"/>
+              </a:spcAft>
+              <a:buClrTx/>
+              <a:buSzTx/>
+              <a:buFontTx/>
+              <a:buNone/>
+              <a:tabLst/>
+            </a:pPr>
+            <a:endParaRPr kumimoji="0" lang="he-IL" sz="4600" b="1" i="0" u="none" strike="noStrike" cap="none" normalizeH="0" baseline="0">
+              <a:ln>
+                <a:noFill/>
+              </a:ln>
+              <a:solidFill>
+                <a:srgbClr val="003399"/>
+              </a:solidFill>
+              <a:effectLst/>
+              <a:latin typeface="Arial" charset="0"/>
+            </a:endParaRPr>
+          </a:p>
+        </p:txBody>
+      </p:sp>
     </p:spTree>
   </p:cSld>
   <p:clrMapOvr>

--- a/Poster/CRML_Poster_Sudoku.pptx
+++ b/Poster/CRML_Poster_Sudoku.pptx
@@ -4254,7 +4254,7 @@
         </p:nvSpPr>
         <p:spPr>
           <a:xfrm>
-            <a:off x="20869248" y="34143526"/>
+            <a:off x="20869248" y="34813081"/>
             <a:ext cx="8818149" cy="1159621"/>
           </a:xfrm>
           <a:prstGeom prst="roundRect">
@@ -4304,7 +4304,7 @@
         </p:nvSpPr>
         <p:spPr>
           <a:xfrm>
-            <a:off x="20869248" y="27624652"/>
+            <a:off x="20869248" y="27945552"/>
             <a:ext cx="8693852" cy="1076329"/>
           </a:xfrm>
           <a:prstGeom prst="roundRect">
@@ -5144,7 +5144,7 @@
         </p:nvSpPr>
         <p:spPr bwMode="auto">
           <a:xfrm>
-            <a:off x="21120941" y="27678472"/>
+            <a:off x="21120941" y="27999372"/>
             <a:ext cx="8254272" cy="1009048"/>
           </a:xfrm>
           <a:prstGeom prst="rect">
@@ -5202,7 +5202,7 @@
         </p:nvSpPr>
         <p:spPr bwMode="auto">
           <a:xfrm>
-            <a:off x="21087968" y="34249145"/>
+            <a:off x="21087968" y="34889281"/>
             <a:ext cx="8411568" cy="1054002"/>
           </a:xfrm>
           <a:prstGeom prst="rect">
@@ -5260,7 +5260,7 @@
         </p:nvSpPr>
         <p:spPr bwMode="auto">
           <a:xfrm>
-            <a:off x="20748854" y="35767952"/>
+            <a:off x="20656319" y="36340496"/>
             <a:ext cx="8768560" cy="5064929"/>
           </a:xfrm>
           <a:prstGeom prst="rect">
@@ -5355,22 +5355,6 @@
                 <a:cs typeface="Arial" panose="020B0604020202020204" pitchFamily="34" charset="0"/>
               </a:rPr>
               <a:t>Curriculum learning may perform better on suitable problems like Sudoku</a:t>
-            </a:r>
-          </a:p>
-          <a:p>
-            <a:pPr marL="1340968" lvl="2" indent="-457200" algn="l" rtl="0">
-              <a:buFont typeface="Arial" panose="020B0604020202020204" pitchFamily="34" charset="0"/>
-              <a:buChar char="•"/>
-            </a:pPr>
-            <a:r>
-              <a:rPr lang="en-US" sz="2990" b="0" dirty="0">
-                <a:solidFill>
-                  <a:srgbClr val="000060"/>
-                </a:solidFill>
-                <a:latin typeface="Arial" panose="020B0604020202020204" pitchFamily="34" charset="0"/>
-                <a:cs typeface="Arial" panose="020B0604020202020204" pitchFamily="34" charset="0"/>
-              </a:rPr>
-              <a:t>The network “remembers” how to solve easy puzzles.</a:t>
             </a:r>
           </a:p>
           <a:p>
@@ -5656,27 +5640,7 @@
                 <a:latin typeface="Arial" panose="020B0604020202020204" pitchFamily="34" charset="0"/>
                 <a:cs typeface="Arial" panose="020B0604020202020204" pitchFamily="34" charset="0"/>
               </a:rPr>
-              <a:t>Chen Dudai and Barak </a:t>
-            </a:r>
-            <a:r>
-              <a:rPr lang="en-US" sz="5400" dirty="0" err="1">
-                <a:solidFill>
-                  <a:srgbClr val="124872"/>
-                </a:solidFill>
-                <a:latin typeface="Arial" panose="020B0604020202020204" pitchFamily="34" charset="0"/>
-                <a:cs typeface="Arial" panose="020B0604020202020204" pitchFamily="34" charset="0"/>
-              </a:rPr>
-              <a:t>Mamistvalov</a:t>
-            </a:r>
-            <a:r>
-              <a:rPr lang="en-US" sz="5400" dirty="0">
-                <a:solidFill>
-                  <a:srgbClr val="124872"/>
-                </a:solidFill>
-                <a:latin typeface="Arial" panose="020B0604020202020204" pitchFamily="34" charset="0"/>
-                <a:cs typeface="Arial" panose="020B0604020202020204" pitchFamily="34" charset="0"/>
-              </a:rPr>
-              <a:t> </a:t>
+              <a:t>Chen Dudai and Barak Mamistvalov </a:t>
             </a:r>
           </a:p>
           <a:p>
@@ -6463,8 +6427,8 @@
         </p:nvSpPr>
         <p:spPr>
           <a:xfrm>
-            <a:off x="20869249" y="34118268"/>
-            <a:ext cx="8818148" cy="7665233"/>
+            <a:off x="20869249" y="34736881"/>
+            <a:ext cx="8818148" cy="6989466"/>
           </a:xfrm>
           <a:prstGeom prst="roundRect">
             <a:avLst>
@@ -6511,8 +6475,8 @@
         </p:nvSpPr>
         <p:spPr>
           <a:xfrm>
-            <a:off x="20869248" y="27574081"/>
-            <a:ext cx="8739106" cy="6213404"/>
+            <a:off x="20869248" y="27887833"/>
+            <a:ext cx="8739106" cy="6580174"/>
           </a:xfrm>
           <a:prstGeom prst="roundRect">
             <a:avLst>
@@ -6652,8 +6616,8 @@
           </a:prstGeom>
         </p:spPr>
       </p:pic>
-      <mc:AlternateContent xmlns:mc="http://schemas.openxmlformats.org/markup-compatibility/2006">
-        <mc:Choice xmlns:a14="http://schemas.microsoft.com/office/drawing/2010/main" Requires="a14">
+      <mc:AlternateContent xmlns:mc="http://schemas.openxmlformats.org/markup-compatibility/2006" xmlns:a14="http://schemas.microsoft.com/office/drawing/2010/main">
+        <mc:Choice Requires="a14">
           <p:sp>
             <p:nvSpPr>
               <p:cNvPr id="14" name="Rectangle 4">
@@ -6934,7 +6898,7 @@
             </p:txBody>
           </p:sp>
         </mc:Choice>
-        <mc:Fallback>
+        <mc:Fallback xmlns="">
           <p:sp>
             <p:nvSpPr>
               <p:cNvPr id="14" name="Rectangle 4">
@@ -7528,8 +7492,8 @@
         </p:nvSpPr>
         <p:spPr>
           <a:xfrm>
-            <a:off x="20928362" y="8600280"/>
-            <a:ext cx="8716852" cy="18733554"/>
+            <a:off x="20928362" y="8600279"/>
+            <a:ext cx="8716852" cy="18937812"/>
           </a:xfrm>
           <a:prstGeom prst="roundRect">
             <a:avLst>
@@ -8055,8 +8019,8 @@
         </p:nvGrpSpPr>
         <p:grpSpPr>
           <a:xfrm>
-            <a:off x="23459283" y="24706599"/>
-            <a:ext cx="4495800" cy="2481238"/>
+            <a:off x="23143404" y="24672427"/>
+            <a:ext cx="5024402" cy="2797475"/>
             <a:chOff x="23025472" y="25723113"/>
             <a:chExt cx="2996654" cy="1253623"/>
           </a:xfrm>
@@ -8240,36 +8204,6 @@
           </a:p>
         </p:txBody>
       </p:sp>
-      <p:pic>
-        <p:nvPicPr>
-          <p:cNvPr id="48" name="תמונה 47">
-            <a:extLst>
-              <a:ext uri="{FF2B5EF4-FFF2-40B4-BE49-F238E27FC236}">
-                <a16:creationId xmlns:a16="http://schemas.microsoft.com/office/drawing/2014/main" id="{1ECC3348-5B5A-4271-9D58-F270A103AE7E}"/>
-              </a:ext>
-            </a:extLst>
-          </p:cNvPr>
-          <p:cNvPicPr>
-            <a:picLocks noChangeAspect="1"/>
-          </p:cNvPicPr>
-          <p:nvPr/>
-        </p:nvPicPr>
-        <p:blipFill>
-          <a:blip r:embed="rId16"/>
-          <a:stretch>
-            <a:fillRect/>
-          </a:stretch>
-        </p:blipFill>
-        <p:spPr>
-          <a:xfrm>
-            <a:off x="21047449" y="28879900"/>
-            <a:ext cx="8424811" cy="4707983"/>
-          </a:xfrm>
-          <a:prstGeom prst="rect">
-            <a:avLst/>
-          </a:prstGeom>
-        </p:spPr>
-      </p:pic>
       <p:sp>
         <p:nvSpPr>
           <p:cNvPr id="52" name="חץ: ימינה 51">
@@ -8352,6 +8286,36 @@
           </a:p>
         </p:txBody>
       </p:sp>
+      <p:pic>
+        <p:nvPicPr>
+          <p:cNvPr id="11" name="תמונה 10">
+            <a:extLst>
+              <a:ext uri="{FF2B5EF4-FFF2-40B4-BE49-F238E27FC236}">
+                <a16:creationId xmlns:a16="http://schemas.microsoft.com/office/drawing/2014/main" id="{E9576331-0D11-45B4-8AC6-A600FA3A25FD}"/>
+              </a:ext>
+            </a:extLst>
+          </p:cNvPr>
+          <p:cNvPicPr>
+            <a:picLocks noChangeAspect="1"/>
+          </p:cNvPicPr>
+          <p:nvPr/>
+        </p:nvPicPr>
+        <p:blipFill>
+          <a:blip r:embed="rId16"/>
+          <a:stretch>
+            <a:fillRect/>
+          </a:stretch>
+        </p:blipFill>
+        <p:spPr>
+          <a:xfrm>
+            <a:off x="20928806" y="29307844"/>
+            <a:ext cx="8561913" cy="4667037"/>
+          </a:xfrm>
+          <a:prstGeom prst="rect">
+            <a:avLst/>
+          </a:prstGeom>
+        </p:spPr>
+      </p:pic>
     </p:spTree>
   </p:cSld>
   <p:clrMapOvr>
